--- a/HDB Price Analysis.pptx
+++ b/HDB Price Analysis.pptx
@@ -811,7 +811,7 @@
   <p:cSld>
     <p:spTree>
       <p:nvGrpSpPr>
-        <p:cNvPr id="220" name="Shape 220"/>
+        <p:cNvPr id="221" name="Shape 221"/>
         <p:cNvGrpSpPr/>
         <p:nvPr/>
       </p:nvGrpSpPr>
@@ -825,7 +825,7 @@
       </p:grpSpPr>
       <p:sp>
         <p:nvSpPr>
-          <p:cNvPr id="221" name="Google Shape;221;g3b336f9154f_0_200:notes"/>
+          <p:cNvPr id="222" name="Google Shape;222;g3b336f9154f_0_200:notes"/>
           <p:cNvSpPr/>
           <p:nvPr>
             <p:ph idx="2" type="sldImg"/>
@@ -860,7 +860,7 @@
       </p:sp>
       <p:sp>
         <p:nvSpPr>
-          <p:cNvPr id="222" name="Google Shape;222;g3b336f9154f_0_200:notes"/>
+          <p:cNvPr id="223" name="Google Shape;223;g3b336f9154f_0_200:notes"/>
           <p:cNvSpPr txBox="1"/>
           <p:nvPr>
             <p:ph idx="1" type="body"/>
@@ -910,7 +910,7 @@
   <p:cSld>
     <p:spTree>
       <p:nvGrpSpPr>
-        <p:cNvPr id="236" name="Shape 236"/>
+        <p:cNvPr id="237" name="Shape 237"/>
         <p:cNvGrpSpPr/>
         <p:nvPr/>
       </p:nvGrpSpPr>
@@ -924,7 +924,7 @@
       </p:grpSpPr>
       <p:sp>
         <p:nvSpPr>
-          <p:cNvPr id="237" name="Google Shape;237;g3b336f9154f_0_222:notes"/>
+          <p:cNvPr id="238" name="Google Shape;238;g3b336f9154f_0_222:notes"/>
           <p:cNvSpPr/>
           <p:nvPr>
             <p:ph idx="2" type="sldImg"/>
@@ -959,7 +959,7 @@
       </p:sp>
       <p:sp>
         <p:nvSpPr>
-          <p:cNvPr id="238" name="Google Shape;238;g3b336f9154f_0_222:notes"/>
+          <p:cNvPr id="239" name="Google Shape;239;g3b336f9154f_0_222:notes"/>
           <p:cNvSpPr txBox="1"/>
           <p:nvPr>
             <p:ph idx="1" type="body"/>
@@ -1009,7 +1009,7 @@
   <p:cSld>
     <p:spTree>
       <p:nvGrpSpPr>
-        <p:cNvPr id="254" name="Shape 254"/>
+        <p:cNvPr id="255" name="Shape 255"/>
         <p:cNvGrpSpPr/>
         <p:nvPr/>
       </p:nvGrpSpPr>
@@ -1023,7 +1023,7 @@
       </p:grpSpPr>
       <p:sp>
         <p:nvSpPr>
-          <p:cNvPr id="255" name="Google Shape;255;g3b336f9154f_0_141:notes"/>
+          <p:cNvPr id="256" name="Google Shape;256;g3b336f9154f_0_141:notes"/>
           <p:cNvSpPr/>
           <p:nvPr>
             <p:ph idx="2" type="sldImg"/>
@@ -1058,7 +1058,7 @@
       </p:sp>
       <p:sp>
         <p:nvSpPr>
-          <p:cNvPr id="256" name="Google Shape;256;g3b336f9154f_0_141:notes"/>
+          <p:cNvPr id="257" name="Google Shape;257;g3b336f9154f_0_141:notes"/>
           <p:cNvSpPr txBox="1"/>
           <p:nvPr>
             <p:ph idx="1" type="body"/>
@@ -1108,7 +1108,7 @@
   <p:cSld>
     <p:spTree>
       <p:nvGrpSpPr>
-        <p:cNvPr id="275" name="Shape 275"/>
+        <p:cNvPr id="276" name="Shape 276"/>
         <p:cNvGrpSpPr/>
         <p:nvPr/>
       </p:nvGrpSpPr>
@@ -1122,7 +1122,7 @@
       </p:grpSpPr>
       <p:sp>
         <p:nvSpPr>
-          <p:cNvPr id="276" name="Google Shape;276;gc6f9e470d_0_43:notes"/>
+          <p:cNvPr id="277" name="Google Shape;277;gc6f9e470d_0_43:notes"/>
           <p:cNvSpPr/>
           <p:nvPr>
             <p:ph idx="2" type="sldImg"/>
@@ -1157,7 +1157,7 @@
       </p:sp>
       <p:sp>
         <p:nvSpPr>
-          <p:cNvPr id="277" name="Google Shape;277;gc6f9e470d_0_43:notes"/>
+          <p:cNvPr id="278" name="Google Shape;278;gc6f9e470d_0_43:notes"/>
           <p:cNvSpPr txBox="1"/>
           <p:nvPr>
             <p:ph idx="1" type="body"/>
@@ -1306,7 +1306,7 @@
   <p:cSld>
     <p:spTree>
       <p:nvGrpSpPr>
-        <p:cNvPr id="101" name="Shape 101"/>
+        <p:cNvPr id="102" name="Shape 102"/>
         <p:cNvGrpSpPr/>
         <p:nvPr/>
       </p:nvGrpSpPr>
@@ -1320,7 +1320,7 @@
       </p:grpSpPr>
       <p:sp>
         <p:nvSpPr>
-          <p:cNvPr id="102" name="Google Shape;102;g3b336f9154f_0_351:notes"/>
+          <p:cNvPr id="103" name="Google Shape;103;g3b336f9154f_0_351:notes"/>
           <p:cNvSpPr/>
           <p:nvPr>
             <p:ph idx="2" type="sldImg"/>
@@ -1355,7 +1355,7 @@
       </p:sp>
       <p:sp>
         <p:nvSpPr>
-          <p:cNvPr id="103" name="Google Shape;103;g3b336f9154f_0_351:notes"/>
+          <p:cNvPr id="104" name="Google Shape;104;g3b336f9154f_0_351:notes"/>
           <p:cNvSpPr txBox="1"/>
           <p:nvPr>
             <p:ph idx="1" type="body"/>
@@ -1405,7 +1405,7 @@
   <p:cSld>
     <p:spTree>
       <p:nvGrpSpPr>
-        <p:cNvPr id="114" name="Shape 114"/>
+        <p:cNvPr id="115" name="Shape 115"/>
         <p:cNvGrpSpPr/>
         <p:nvPr/>
       </p:nvGrpSpPr>
@@ -1419,7 +1419,7 @@
       </p:grpSpPr>
       <p:sp>
         <p:nvSpPr>
-          <p:cNvPr id="115" name="Google Shape;115;g3b336f9154f_0_412:notes"/>
+          <p:cNvPr id="116" name="Google Shape;116;g3b336f9154f_0_412:notes"/>
           <p:cNvSpPr/>
           <p:nvPr>
             <p:ph idx="2" type="sldImg"/>
@@ -1454,7 +1454,7 @@
       </p:sp>
       <p:sp>
         <p:nvSpPr>
-          <p:cNvPr id="116" name="Google Shape;116;g3b336f9154f_0_412:notes"/>
+          <p:cNvPr id="117" name="Google Shape;117;g3b336f9154f_0_412:notes"/>
           <p:cNvSpPr txBox="1"/>
           <p:nvPr>
             <p:ph idx="1" type="body"/>
@@ -1504,7 +1504,7 @@
   <p:cSld>
     <p:spTree>
       <p:nvGrpSpPr>
-        <p:cNvPr id="127" name="Shape 127"/>
+        <p:cNvPr id="128" name="Shape 128"/>
         <p:cNvGrpSpPr/>
         <p:nvPr/>
       </p:nvGrpSpPr>
@@ -1518,7 +1518,7 @@
       </p:grpSpPr>
       <p:sp>
         <p:nvSpPr>
-          <p:cNvPr id="128" name="Google Shape;128;g3b336f9154f_0_429:notes"/>
+          <p:cNvPr id="129" name="Google Shape;129;g3b336f9154f_0_429:notes"/>
           <p:cNvSpPr/>
           <p:nvPr>
             <p:ph idx="2" type="sldImg"/>
@@ -1553,7 +1553,7 @@
       </p:sp>
       <p:sp>
         <p:nvSpPr>
-          <p:cNvPr id="129" name="Google Shape;129;g3b336f9154f_0_429:notes"/>
+          <p:cNvPr id="130" name="Google Shape;130;g3b336f9154f_0_429:notes"/>
           <p:cNvSpPr txBox="1"/>
           <p:nvPr>
             <p:ph idx="1" type="body"/>
@@ -1603,7 +1603,7 @@
   <p:cSld>
     <p:spTree>
       <p:nvGrpSpPr>
-        <p:cNvPr id="140" name="Shape 140"/>
+        <p:cNvPr id="141" name="Shape 141"/>
         <p:cNvGrpSpPr/>
         <p:nvPr/>
       </p:nvGrpSpPr>
@@ -1617,7 +1617,7 @@
       </p:grpSpPr>
       <p:sp>
         <p:nvSpPr>
-          <p:cNvPr id="141" name="Google Shape;141;g3b336f9154f_0_367:notes"/>
+          <p:cNvPr id="142" name="Google Shape;142;g3b336f9154f_0_367:notes"/>
           <p:cNvSpPr/>
           <p:nvPr>
             <p:ph idx="2" type="sldImg"/>
@@ -1652,7 +1652,7 @@
       </p:sp>
       <p:sp>
         <p:nvSpPr>
-          <p:cNvPr id="142" name="Google Shape;142;g3b336f9154f_0_367:notes"/>
+          <p:cNvPr id="143" name="Google Shape;143;g3b336f9154f_0_367:notes"/>
           <p:cNvSpPr txBox="1"/>
           <p:nvPr>
             <p:ph idx="1" type="body"/>
@@ -1702,7 +1702,7 @@
   <p:cSld>
     <p:spTree>
       <p:nvGrpSpPr>
-        <p:cNvPr id="160" name="Shape 160"/>
+        <p:cNvPr id="161" name="Shape 161"/>
         <p:cNvGrpSpPr/>
         <p:nvPr/>
       </p:nvGrpSpPr>
@@ -1716,7 +1716,7 @@
       </p:grpSpPr>
       <p:sp>
         <p:nvSpPr>
-          <p:cNvPr id="161" name="Google Shape;161;g3b336f9154f_0_452:notes"/>
+          <p:cNvPr id="162" name="Google Shape;162;g3b336f9154f_0_452:notes"/>
           <p:cNvSpPr/>
           <p:nvPr>
             <p:ph idx="2" type="sldImg"/>
@@ -1751,7 +1751,7 @@
       </p:sp>
       <p:sp>
         <p:nvSpPr>
-          <p:cNvPr id="162" name="Google Shape;162;g3b336f9154f_0_452:notes"/>
+          <p:cNvPr id="163" name="Google Shape;163;g3b336f9154f_0_452:notes"/>
           <p:cNvSpPr txBox="1"/>
           <p:nvPr>
             <p:ph idx="1" type="body"/>
@@ -1801,7 +1801,7 @@
   <p:cSld>
     <p:spTree>
       <p:nvGrpSpPr>
-        <p:cNvPr id="183" name="Shape 183"/>
+        <p:cNvPr id="184" name="Shape 184"/>
         <p:cNvGrpSpPr/>
         <p:nvPr/>
       </p:nvGrpSpPr>
@@ -1815,7 +1815,7 @@
       </p:grpSpPr>
       <p:sp>
         <p:nvSpPr>
-          <p:cNvPr id="184" name="Google Shape;184;g3b336f9154f_0_292:notes"/>
+          <p:cNvPr id="185" name="Google Shape;185;g3b336f9154f_0_292:notes"/>
           <p:cNvSpPr/>
           <p:nvPr>
             <p:ph idx="2" type="sldImg"/>
@@ -1850,7 +1850,7 @@
       </p:sp>
       <p:sp>
         <p:nvSpPr>
-          <p:cNvPr id="185" name="Google Shape;185;g3b336f9154f_0_292:notes"/>
+          <p:cNvPr id="186" name="Google Shape;186;g3b336f9154f_0_292:notes"/>
           <p:cNvSpPr txBox="1"/>
           <p:nvPr>
             <p:ph idx="1" type="body"/>
@@ -1900,7 +1900,7 @@
   <p:cSld>
     <p:spTree>
       <p:nvGrpSpPr>
-        <p:cNvPr id="202" name="Shape 202"/>
+        <p:cNvPr id="203" name="Shape 203"/>
         <p:cNvGrpSpPr/>
         <p:nvPr/>
       </p:nvGrpSpPr>
@@ -1914,7 +1914,7 @@
       </p:grpSpPr>
       <p:sp>
         <p:nvSpPr>
-          <p:cNvPr id="203" name="Google Shape;203;g3b336f9154f_0_123:notes"/>
+          <p:cNvPr id="204" name="Google Shape;204;g3b336f9154f_0_123:notes"/>
           <p:cNvSpPr/>
           <p:nvPr>
             <p:ph idx="2" type="sldImg"/>
@@ -1949,7 +1949,7 @@
       </p:sp>
       <p:sp>
         <p:nvSpPr>
-          <p:cNvPr id="204" name="Google Shape;204;g3b336f9154f_0_123:notes"/>
+          <p:cNvPr id="205" name="Google Shape;205;g3b336f9154f_0_123:notes"/>
           <p:cNvSpPr txBox="1"/>
           <p:nvPr>
             <p:ph idx="1" type="body"/>
@@ -8672,7 +8672,7 @@
   <p:cSld>
     <p:spTree>
       <p:nvGrpSpPr>
-        <p:cNvPr id="223" name="Shape 223"/>
+        <p:cNvPr id="224" name="Shape 224"/>
         <p:cNvGrpSpPr/>
         <p:nvPr/>
       </p:nvGrpSpPr>
@@ -8686,7 +8686,7 @@
       </p:grpSpPr>
       <p:sp>
         <p:nvSpPr>
-          <p:cNvPr id="224" name="Google Shape;224;p22"/>
+          <p:cNvPr id="225" name="Google Shape;225;p22"/>
           <p:cNvSpPr txBox="1"/>
           <p:nvPr>
             <p:ph type="title"/>
@@ -8745,7 +8745,7 @@
       </p:sp>
       <p:grpSp>
         <p:nvGrpSpPr>
-          <p:cNvPr id="225" name="Google Shape;225;p22"/>
+          <p:cNvPr id="226" name="Google Shape;226;p22"/>
           <p:cNvGrpSpPr/>
           <p:nvPr/>
         </p:nvGrpSpPr>
@@ -8759,7 +8759,7 @@
         </p:grpSpPr>
         <p:sp>
           <p:nvSpPr>
-            <p:cNvPr id="226" name="Google Shape;226;p22"/>
+            <p:cNvPr id="227" name="Google Shape;227;p22"/>
             <p:cNvSpPr txBox="1"/>
             <p:nvPr/>
           </p:nvSpPr>
@@ -8802,7 +8802,7 @@
         </p:sp>
         <p:sp>
           <p:nvSpPr>
-            <p:cNvPr id="227" name="Google Shape;227;p22"/>
+            <p:cNvPr id="228" name="Google Shape;228;p22"/>
             <p:cNvSpPr/>
             <p:nvPr/>
           </p:nvSpPr>
@@ -8850,7 +8850,7 @@
       </p:grpSp>
       <p:sp>
         <p:nvSpPr>
-          <p:cNvPr id="228" name="Google Shape;228;p22"/>
+          <p:cNvPr id="229" name="Google Shape;229;p22"/>
           <p:cNvSpPr txBox="1"/>
           <p:nvPr>
             <p:ph idx="4294967295" type="body"/>
@@ -8902,7 +8902,7 @@
       </p:sp>
       <p:sp>
         <p:nvSpPr>
-          <p:cNvPr id="229" name="Google Shape;229;p22"/>
+          <p:cNvPr id="230" name="Google Shape;230;p22"/>
           <p:cNvSpPr txBox="1"/>
           <p:nvPr>
             <p:ph idx="4294967295" type="body"/>
@@ -9217,7 +9217,7 @@
       </p:sp>
       <p:sp>
         <p:nvSpPr>
-          <p:cNvPr id="230" name="Google Shape;230;p22"/>
+          <p:cNvPr id="231" name="Google Shape;231;p22"/>
           <p:cNvSpPr txBox="1"/>
           <p:nvPr>
             <p:ph idx="4294967295" type="body"/>
@@ -9278,7 +9278,7 @@
       </p:sp>
       <p:grpSp>
         <p:nvGrpSpPr>
-          <p:cNvPr id="231" name="Google Shape;231;p22"/>
+          <p:cNvPr id="232" name="Google Shape;232;p22"/>
           <p:cNvGrpSpPr/>
           <p:nvPr/>
         </p:nvGrpSpPr>
@@ -9292,7 +9292,7 @@
         </p:grpSpPr>
         <p:sp>
           <p:nvSpPr>
-            <p:cNvPr id="232" name="Google Shape;232;p22"/>
+            <p:cNvPr id="233" name="Google Shape;233;p22"/>
             <p:cNvSpPr txBox="1"/>
             <p:nvPr/>
           </p:nvSpPr>
@@ -9335,7 +9335,7 @@
         </p:sp>
         <p:sp>
           <p:nvSpPr>
-            <p:cNvPr id="233" name="Google Shape;233;p22"/>
+            <p:cNvPr id="234" name="Google Shape;234;p22"/>
             <p:cNvSpPr/>
             <p:nvPr/>
           </p:nvSpPr>
@@ -9501,7 +9501,7 @@
       </p:grpSp>
       <p:pic>
         <p:nvPicPr>
-          <p:cNvPr id="234" name="Google Shape;234;p22"/>
+          <p:cNvPr id="235" name="Google Shape;235;p22"/>
           <p:cNvPicPr preferRelativeResize="0"/>
           <p:nvPr/>
         </p:nvPicPr>
@@ -9529,7 +9529,7 @@
       </p:pic>
       <p:pic>
         <p:nvPicPr>
-          <p:cNvPr id="235" name="Google Shape;235;p22"/>
+          <p:cNvPr id="236" name="Google Shape;236;p22"/>
           <p:cNvPicPr preferRelativeResize="0"/>
           <p:nvPr/>
         </p:nvPicPr>
@@ -9568,7 +9568,7 @@
   <p:cSld>
     <p:spTree>
       <p:nvGrpSpPr>
-        <p:cNvPr id="239" name="Shape 239"/>
+        <p:cNvPr id="240" name="Shape 240"/>
         <p:cNvGrpSpPr/>
         <p:nvPr/>
       </p:nvGrpSpPr>
@@ -9582,7 +9582,7 @@
       </p:grpSpPr>
       <p:sp>
         <p:nvSpPr>
-          <p:cNvPr id="240" name="Google Shape;240;p23"/>
+          <p:cNvPr id="241" name="Google Shape;241;p23"/>
           <p:cNvSpPr txBox="1"/>
           <p:nvPr>
             <p:ph type="title"/>
@@ -9641,7 +9641,7 @@
       </p:sp>
       <p:grpSp>
         <p:nvGrpSpPr>
-          <p:cNvPr id="241" name="Google Shape;241;p23"/>
+          <p:cNvPr id="242" name="Google Shape;242;p23"/>
           <p:cNvGrpSpPr/>
           <p:nvPr/>
         </p:nvGrpSpPr>
@@ -9655,7 +9655,7 @@
         </p:grpSpPr>
         <p:sp>
           <p:nvSpPr>
-            <p:cNvPr id="242" name="Google Shape;242;p23"/>
+            <p:cNvPr id="243" name="Google Shape;243;p23"/>
             <p:cNvSpPr txBox="1"/>
             <p:nvPr/>
           </p:nvSpPr>
@@ -9698,7 +9698,7 @@
         </p:sp>
         <p:sp>
           <p:nvSpPr>
-            <p:cNvPr id="243" name="Google Shape;243;p23"/>
+            <p:cNvPr id="244" name="Google Shape;244;p23"/>
             <p:cNvSpPr/>
             <p:nvPr/>
           </p:nvSpPr>
@@ -9746,7 +9746,7 @@
       </p:grpSp>
       <p:sp>
         <p:nvSpPr>
-          <p:cNvPr id="244" name="Google Shape;244;p23"/>
+          <p:cNvPr id="245" name="Google Shape;245;p23"/>
           <p:cNvSpPr txBox="1"/>
           <p:nvPr>
             <p:ph idx="4294967295" type="body"/>
@@ -9798,7 +9798,7 @@
       </p:sp>
       <p:sp>
         <p:nvSpPr>
-          <p:cNvPr id="245" name="Google Shape;245;p23"/>
+          <p:cNvPr id="246" name="Google Shape;246;p23"/>
           <p:cNvSpPr txBox="1"/>
           <p:nvPr>
             <p:ph idx="4294967295" type="body"/>
@@ -9997,7 +9997,7 @@
       </p:sp>
       <p:sp>
         <p:nvSpPr>
-          <p:cNvPr id="246" name="Google Shape;246;p23"/>
+          <p:cNvPr id="247" name="Google Shape;247;p23"/>
           <p:cNvSpPr txBox="1"/>
           <p:nvPr>
             <p:ph idx="4294967295" type="body"/>
@@ -10058,7 +10058,7 @@
       </p:sp>
       <p:sp>
         <p:nvSpPr>
-          <p:cNvPr id="247" name="Google Shape;247;p23"/>
+          <p:cNvPr id="248" name="Google Shape;248;p23"/>
           <p:cNvSpPr txBox="1"/>
           <p:nvPr>
             <p:ph idx="4294967295" type="body"/>
@@ -10119,7 +10119,7 @@
       </p:sp>
       <p:grpSp>
         <p:nvGrpSpPr>
-          <p:cNvPr id="248" name="Google Shape;248;p23"/>
+          <p:cNvPr id="249" name="Google Shape;249;p23"/>
           <p:cNvGrpSpPr/>
           <p:nvPr/>
         </p:nvGrpSpPr>
@@ -10133,7 +10133,7 @@
         </p:grpSpPr>
         <p:sp>
           <p:nvSpPr>
-            <p:cNvPr id="249" name="Google Shape;249;p23"/>
+            <p:cNvPr id="250" name="Google Shape;250;p23"/>
             <p:cNvSpPr txBox="1"/>
             <p:nvPr/>
           </p:nvSpPr>
@@ -10176,7 +10176,7 @@
         </p:sp>
         <p:sp>
           <p:nvSpPr>
-            <p:cNvPr id="250" name="Google Shape;250;p23"/>
+            <p:cNvPr id="251" name="Google Shape;251;p23"/>
             <p:cNvSpPr/>
             <p:nvPr/>
           </p:nvSpPr>
@@ -10228,7 +10228,7 @@
       </p:grpSp>
       <p:sp>
         <p:nvSpPr>
-          <p:cNvPr id="251" name="Google Shape;251;p23"/>
+          <p:cNvPr id="252" name="Google Shape;252;p23"/>
           <p:cNvSpPr txBox="1"/>
           <p:nvPr/>
         </p:nvSpPr>
@@ -10388,7 +10388,7 @@
       </p:sp>
       <p:pic>
         <p:nvPicPr>
-          <p:cNvPr id="252" name="Google Shape;252;p23"/>
+          <p:cNvPr id="253" name="Google Shape;253;p23"/>
           <p:cNvPicPr preferRelativeResize="0"/>
           <p:nvPr/>
         </p:nvPicPr>
@@ -10416,7 +10416,7 @@
       </p:pic>
       <p:pic>
         <p:nvPicPr>
-          <p:cNvPr id="253" name="Google Shape;253;p23"/>
+          <p:cNvPr id="254" name="Google Shape;254;p23"/>
           <p:cNvPicPr preferRelativeResize="0"/>
           <p:nvPr/>
         </p:nvPicPr>
@@ -10455,7 +10455,7 @@
   <p:cSld>
     <p:spTree>
       <p:nvGrpSpPr>
-        <p:cNvPr id="257" name="Shape 257"/>
+        <p:cNvPr id="258" name="Shape 258"/>
         <p:cNvGrpSpPr/>
         <p:nvPr/>
       </p:nvGrpSpPr>
@@ -10469,7 +10469,7 @@
       </p:grpSpPr>
       <p:sp>
         <p:nvSpPr>
-          <p:cNvPr id="258" name="Google Shape;258;p24"/>
+          <p:cNvPr id="259" name="Google Shape;259;p24"/>
           <p:cNvSpPr txBox="1"/>
           <p:nvPr>
             <p:ph type="title"/>
@@ -10520,7 +10520,7 @@
       </p:sp>
       <p:grpSp>
         <p:nvGrpSpPr>
-          <p:cNvPr id="259" name="Google Shape;259;p24"/>
+          <p:cNvPr id="260" name="Google Shape;260;p24"/>
           <p:cNvGrpSpPr/>
           <p:nvPr/>
         </p:nvGrpSpPr>
@@ -10534,7 +10534,7 @@
         </p:grpSpPr>
         <p:sp>
           <p:nvSpPr>
-            <p:cNvPr id="260" name="Google Shape;260;p24"/>
+            <p:cNvPr id="261" name="Google Shape;261;p24"/>
             <p:cNvSpPr txBox="1"/>
             <p:nvPr/>
           </p:nvSpPr>
@@ -10577,7 +10577,7 @@
         </p:sp>
         <p:sp>
           <p:nvSpPr>
-            <p:cNvPr id="261" name="Google Shape;261;p24"/>
+            <p:cNvPr id="262" name="Google Shape;262;p24"/>
             <p:cNvSpPr/>
             <p:nvPr/>
           </p:nvSpPr>
@@ -10625,7 +10625,7 @@
       </p:grpSp>
       <p:sp>
         <p:nvSpPr>
-          <p:cNvPr id="262" name="Google Shape;262;p24"/>
+          <p:cNvPr id="263" name="Google Shape;263;p24"/>
           <p:cNvSpPr txBox="1"/>
           <p:nvPr>
             <p:ph idx="4294967295" type="body"/>
@@ -10814,7 +10814,7 @@
       </p:sp>
       <p:sp>
         <p:nvSpPr>
-          <p:cNvPr id="263" name="Google Shape;263;p24"/>
+          <p:cNvPr id="264" name="Google Shape;264;p24"/>
           <p:cNvSpPr txBox="1"/>
           <p:nvPr/>
         </p:nvSpPr>
@@ -10858,7 +10858,7 @@
       </p:sp>
       <p:sp>
         <p:nvSpPr>
-          <p:cNvPr id="264" name="Google Shape;264;p24"/>
+          <p:cNvPr id="265" name="Google Shape;265;p24"/>
           <p:cNvSpPr txBox="1"/>
           <p:nvPr>
             <p:ph idx="4294967295" type="body"/>
@@ -10919,7 +10919,7 @@
       </p:sp>
       <p:sp>
         <p:nvSpPr>
-          <p:cNvPr id="265" name="Google Shape;265;p24"/>
+          <p:cNvPr id="266" name="Google Shape;266;p24"/>
           <p:cNvSpPr txBox="1"/>
           <p:nvPr>
             <p:ph idx="4294967295" type="body"/>
@@ -10980,7 +10980,7 @@
       </p:sp>
       <p:grpSp>
         <p:nvGrpSpPr>
-          <p:cNvPr id="266" name="Google Shape;266;p24"/>
+          <p:cNvPr id="267" name="Google Shape;267;p24"/>
           <p:cNvGrpSpPr/>
           <p:nvPr/>
         </p:nvGrpSpPr>
@@ -10994,7 +10994,7 @@
         </p:grpSpPr>
         <p:sp>
           <p:nvSpPr>
-            <p:cNvPr id="267" name="Google Shape;267;p24"/>
+            <p:cNvPr id="268" name="Google Shape;268;p24"/>
             <p:cNvSpPr txBox="1"/>
             <p:nvPr/>
           </p:nvSpPr>
@@ -11037,7 +11037,7 @@
         </p:sp>
         <p:sp>
           <p:nvSpPr>
-            <p:cNvPr id="268" name="Google Shape;268;p24"/>
+            <p:cNvPr id="269" name="Google Shape;269;p24"/>
             <p:cNvSpPr/>
             <p:nvPr/>
           </p:nvSpPr>
@@ -11085,7 +11085,7 @@
       </p:grpSp>
       <p:sp>
         <p:nvSpPr>
-          <p:cNvPr id="269" name="Google Shape;269;p24"/>
+          <p:cNvPr id="270" name="Google Shape;270;p24"/>
           <p:cNvSpPr txBox="1"/>
           <p:nvPr/>
         </p:nvSpPr>
@@ -11291,7 +11291,7 @@
       </p:sp>
       <p:sp>
         <p:nvSpPr>
-          <p:cNvPr id="270" name="Google Shape;270;p24"/>
+          <p:cNvPr id="271" name="Google Shape;271;p24"/>
           <p:cNvSpPr txBox="1"/>
           <p:nvPr/>
         </p:nvSpPr>
@@ -11339,7 +11339,7 @@
       </p:sp>
       <p:grpSp>
         <p:nvGrpSpPr>
-          <p:cNvPr id="271" name="Google Shape;271;p24"/>
+          <p:cNvPr id="272" name="Google Shape;272;p24"/>
           <p:cNvGrpSpPr/>
           <p:nvPr/>
         </p:nvGrpSpPr>
@@ -11353,7 +11353,7 @@
         </p:grpSpPr>
         <p:sp>
           <p:nvSpPr>
-            <p:cNvPr id="272" name="Google Shape;272;p24"/>
+            <p:cNvPr id="273" name="Google Shape;273;p24"/>
             <p:cNvSpPr txBox="1"/>
             <p:nvPr/>
           </p:nvSpPr>
@@ -11396,7 +11396,7 @@
         </p:sp>
         <p:sp>
           <p:nvSpPr>
-            <p:cNvPr id="273" name="Google Shape;273;p24"/>
+            <p:cNvPr id="274" name="Google Shape;274;p24"/>
             <p:cNvSpPr/>
             <p:nvPr/>
           </p:nvSpPr>
@@ -11444,7 +11444,7 @@
       </p:grpSp>
       <p:sp>
         <p:nvSpPr>
-          <p:cNvPr id="274" name="Google Shape;274;p24"/>
+          <p:cNvPr id="275" name="Google Shape;275;p24"/>
           <p:cNvSpPr txBox="1"/>
           <p:nvPr/>
         </p:nvSpPr>
@@ -11614,7 +11614,7 @@
   <p:cSld>
     <p:spTree>
       <p:nvGrpSpPr>
-        <p:cNvPr id="278" name="Shape 278"/>
+        <p:cNvPr id="279" name="Shape 279"/>
         <p:cNvGrpSpPr/>
         <p:nvPr/>
       </p:nvGrpSpPr>
@@ -11628,7 +11628,7 @@
       </p:grpSpPr>
       <p:sp>
         <p:nvSpPr>
-          <p:cNvPr id="279" name="Google Shape;279;p25"/>
+          <p:cNvPr id="280" name="Google Shape;280;p25"/>
           <p:cNvSpPr txBox="1"/>
           <p:nvPr>
             <p:ph type="title"/>
@@ -12743,6 +12743,139 @@
           </a:p>
         </p:txBody>
       </p:sp>
+      <p:sp>
+        <p:nvSpPr>
+          <p:cNvPr id="101" name="Google Shape;101;p14"/>
+          <p:cNvSpPr txBox="1"/>
+          <p:nvPr/>
+        </p:nvSpPr>
+        <p:spPr>
+          <a:xfrm>
+            <a:off x="6792725" y="1765975"/>
+            <a:ext cx="2103000" cy="3678900"/>
+          </a:xfrm>
+          <a:prstGeom prst="rect">
+            <a:avLst/>
+          </a:prstGeom>
+          <a:noFill/>
+          <a:ln>
+            <a:noFill/>
+          </a:ln>
+        </p:spPr>
+        <p:txBody>
+          <a:bodyPr anchorCtr="0" anchor="t" bIns="91425" lIns="91425" spcFirstLastPara="1" rIns="91425" wrap="square" tIns="91425">
+            <a:spAutoFit/>
+          </a:bodyPr>
+          <a:lstStyle/>
+          <a:p>
+            <a:pPr indent="0" lvl="0" marL="0" rtl="0" algn="l">
+              <a:lnSpc>
+                <a:spcPct val="115000"/>
+              </a:lnSpc>
+              <a:spcBef>
+                <a:spcPts val="1800"/>
+              </a:spcBef>
+              <a:spcAft>
+                <a:spcPts val="0"/>
+              </a:spcAft>
+              <a:buNone/>
+            </a:pPr>
+            <a:r>
+              <a:t/>
+            </a:r>
+            <a:endParaRPr b="1" sz="1000"/>
+          </a:p>
+          <a:p>
+            <a:pPr indent="-292100" lvl="0" marL="457200" rtl="0" algn="l">
+              <a:lnSpc>
+                <a:spcPct val="115000"/>
+              </a:lnSpc>
+              <a:spcBef>
+                <a:spcPts val="1200"/>
+              </a:spcBef>
+              <a:spcAft>
+                <a:spcPts val="0"/>
+              </a:spcAft>
+              <a:buSzPts val="1000"/>
+              <a:buChar char="●"/>
+            </a:pPr>
+            <a:r>
+              <a:rPr lang="en" sz="1000"/>
+              <a:t>Built a similarity graph where each node represents an HDB resale listing</a:t>
+            </a:r>
+            <a:br>
+              <a:rPr lang="en" sz="1000"/>
+            </a:br>
+            <a:endParaRPr sz="1000"/>
+          </a:p>
+          <a:p>
+            <a:pPr indent="-292100" lvl="0" marL="457200" rtl="0" algn="l">
+              <a:lnSpc>
+                <a:spcPct val="115000"/>
+              </a:lnSpc>
+              <a:spcBef>
+                <a:spcPts val="0"/>
+              </a:spcBef>
+              <a:spcAft>
+                <a:spcPts val="0"/>
+              </a:spcAft>
+              <a:buSzPts val="1000"/>
+              <a:buChar char="●"/>
+            </a:pPr>
+            <a:r>
+              <a:rPr lang="en" sz="1000"/>
+              <a:t>Connected listings based on same block or same street and flat type</a:t>
+            </a:r>
+            <a:br>
+              <a:rPr lang="en" sz="1000"/>
+            </a:br>
+            <a:endParaRPr sz="1000"/>
+          </a:p>
+          <a:p>
+            <a:pPr indent="-292100" lvl="0" marL="457200" rtl="0" algn="l">
+              <a:lnSpc>
+                <a:spcPct val="115000"/>
+              </a:lnSpc>
+              <a:spcBef>
+                <a:spcPts val="0"/>
+              </a:spcBef>
+              <a:spcAft>
+                <a:spcPts val="0"/>
+              </a:spcAft>
+              <a:buSzPts val="1000"/>
+              <a:buChar char="●"/>
+            </a:pPr>
+            <a:r>
+              <a:rPr lang="en" sz="1000"/>
+              <a:t>Used connected components to identify clusters of similar properties</a:t>
+            </a:r>
+            <a:br>
+              <a:rPr lang="en" sz="1000"/>
+            </a:br>
+            <a:endParaRPr sz="1000"/>
+          </a:p>
+          <a:p>
+            <a:pPr indent="-292100" lvl="0" marL="457200" rtl="0" algn="l">
+              <a:lnSpc>
+                <a:spcPct val="115000"/>
+              </a:lnSpc>
+              <a:spcBef>
+                <a:spcPts val="0"/>
+              </a:spcBef>
+              <a:spcAft>
+                <a:spcPts val="0"/>
+              </a:spcAft>
+              <a:buSzPts val="1000"/>
+              <a:buChar char="●"/>
+            </a:pPr>
+            <a:r>
+              <a:rPr lang="en" sz="1000"/>
+              <a:t>Applied degree centrality to find representative listings within each cluster</a:t>
+            </a:r>
+            <a:endParaRPr sz="1000"/>
+          </a:p>
+        </p:txBody>
+      </p:sp>
     </p:spTree>
   </p:cSld>
   <p:clrMapOvr>
@@ -12756,7 +12889,7 @@
   <p:cSld>
     <p:spTree>
       <p:nvGrpSpPr>
-        <p:cNvPr id="104" name="Shape 104"/>
+        <p:cNvPr id="105" name="Shape 105"/>
         <p:cNvGrpSpPr/>
         <p:nvPr/>
       </p:nvGrpSpPr>
@@ -12770,7 +12903,7 @@
       </p:grpSpPr>
       <p:sp>
         <p:nvSpPr>
-          <p:cNvPr id="105" name="Google Shape;105;p15"/>
+          <p:cNvPr id="106" name="Google Shape;106;p15"/>
           <p:cNvSpPr txBox="1"/>
           <p:nvPr>
             <p:ph type="title"/>
@@ -12813,7 +12946,7 @@
       </p:sp>
       <p:sp>
         <p:nvSpPr>
-          <p:cNvPr id="106" name="Google Shape;106;p15"/>
+          <p:cNvPr id="107" name="Google Shape;107;p15"/>
           <p:cNvSpPr txBox="1"/>
           <p:nvPr/>
         </p:nvSpPr>
@@ -12857,7 +12990,7 @@
       </p:sp>
       <p:sp>
         <p:nvSpPr>
-          <p:cNvPr id="107" name="Google Shape;107;p15"/>
+          <p:cNvPr id="108" name="Google Shape;108;p15"/>
           <p:cNvSpPr txBox="1"/>
           <p:nvPr>
             <p:ph idx="4294967295" type="body"/>
@@ -12918,7 +13051,7 @@
       </p:sp>
       <p:sp>
         <p:nvSpPr>
-          <p:cNvPr id="108" name="Google Shape;108;p15"/>
+          <p:cNvPr id="109" name="Google Shape;109;p15"/>
           <p:cNvSpPr txBox="1"/>
           <p:nvPr>
             <p:ph idx="4294967295" type="body"/>
@@ -12979,7 +13112,7 @@
       </p:sp>
       <p:sp>
         <p:nvSpPr>
-          <p:cNvPr id="109" name="Google Shape;109;p15"/>
+          <p:cNvPr id="110" name="Google Shape;110;p15"/>
           <p:cNvSpPr txBox="1"/>
           <p:nvPr/>
         </p:nvSpPr>
@@ -13023,7 +13156,7 @@
       </p:sp>
       <p:pic>
         <p:nvPicPr>
-          <p:cNvPr id="110" name="Google Shape;110;p15"/>
+          <p:cNvPr id="111" name="Google Shape;111;p15"/>
           <p:cNvPicPr preferRelativeResize="0"/>
           <p:nvPr/>
         </p:nvPicPr>
@@ -13051,7 +13184,7 @@
       </p:pic>
       <p:pic>
         <p:nvPicPr>
-          <p:cNvPr id="111" name="Google Shape;111;p15"/>
+          <p:cNvPr id="112" name="Google Shape;112;p15"/>
           <p:cNvPicPr preferRelativeResize="0"/>
           <p:nvPr/>
         </p:nvPicPr>
@@ -13078,7 +13211,7 @@
       </p:pic>
       <p:pic>
         <p:nvPicPr>
-          <p:cNvPr id="112" name="Google Shape;112;p15"/>
+          <p:cNvPr id="113" name="Google Shape;113;p15"/>
           <p:cNvPicPr preferRelativeResize="0"/>
           <p:nvPr/>
         </p:nvPicPr>
@@ -13106,7 +13239,7 @@
       </p:pic>
       <p:pic>
         <p:nvPicPr>
-          <p:cNvPr id="113" name="Google Shape;113;p15"/>
+          <p:cNvPr id="114" name="Google Shape;114;p15"/>
           <p:cNvPicPr preferRelativeResize="0"/>
           <p:nvPr/>
         </p:nvPicPr>
@@ -13145,7 +13278,7 @@
   <p:cSld>
     <p:spTree>
       <p:nvGrpSpPr>
-        <p:cNvPr id="117" name="Shape 117"/>
+        <p:cNvPr id="118" name="Shape 118"/>
         <p:cNvGrpSpPr/>
         <p:nvPr/>
       </p:nvGrpSpPr>
@@ -13159,7 +13292,7 @@
       </p:grpSpPr>
       <p:sp>
         <p:nvSpPr>
-          <p:cNvPr id="118" name="Google Shape;118;p16"/>
+          <p:cNvPr id="119" name="Google Shape;119;p16"/>
           <p:cNvSpPr txBox="1"/>
           <p:nvPr>
             <p:ph type="title"/>
@@ -13202,7 +13335,7 @@
       </p:sp>
       <p:sp>
         <p:nvSpPr>
-          <p:cNvPr id="119" name="Google Shape;119;p16"/>
+          <p:cNvPr id="120" name="Google Shape;120;p16"/>
           <p:cNvSpPr txBox="1"/>
           <p:nvPr/>
         </p:nvSpPr>
@@ -13246,7 +13379,7 @@
       </p:sp>
       <p:sp>
         <p:nvSpPr>
-          <p:cNvPr id="120" name="Google Shape;120;p16"/>
+          <p:cNvPr id="121" name="Google Shape;121;p16"/>
           <p:cNvSpPr txBox="1"/>
           <p:nvPr>
             <p:ph idx="4294967295" type="body"/>
@@ -13307,7 +13440,7 @@
       </p:sp>
       <p:sp>
         <p:nvSpPr>
-          <p:cNvPr id="121" name="Google Shape;121;p16"/>
+          <p:cNvPr id="122" name="Google Shape;122;p16"/>
           <p:cNvSpPr txBox="1"/>
           <p:nvPr>
             <p:ph idx="4294967295" type="body"/>
@@ -13368,7 +13501,7 @@
       </p:sp>
       <p:sp>
         <p:nvSpPr>
-          <p:cNvPr id="122" name="Google Shape;122;p16"/>
+          <p:cNvPr id="123" name="Google Shape;123;p16"/>
           <p:cNvSpPr txBox="1"/>
           <p:nvPr/>
         </p:nvSpPr>
@@ -13412,7 +13545,7 @@
       </p:sp>
       <p:pic>
         <p:nvPicPr>
-          <p:cNvPr id="123" name="Google Shape;123;p16"/>
+          <p:cNvPr id="124" name="Google Shape;124;p16"/>
           <p:cNvPicPr preferRelativeResize="0"/>
           <p:nvPr/>
         </p:nvPicPr>
@@ -13440,7 +13573,7 @@
       </p:pic>
       <p:pic>
         <p:nvPicPr>
-          <p:cNvPr id="124" name="Google Shape;124;p16"/>
+          <p:cNvPr id="125" name="Google Shape;125;p16"/>
           <p:cNvPicPr preferRelativeResize="0"/>
           <p:nvPr/>
         </p:nvPicPr>
@@ -13468,7 +13601,7 @@
       </p:pic>
       <p:pic>
         <p:nvPicPr>
-          <p:cNvPr id="125" name="Google Shape;125;p16"/>
+          <p:cNvPr id="126" name="Google Shape;126;p16"/>
           <p:cNvPicPr preferRelativeResize="0"/>
           <p:nvPr/>
         </p:nvPicPr>
@@ -13496,7 +13629,7 @@
       </p:pic>
       <p:pic>
         <p:nvPicPr>
-          <p:cNvPr id="126" name="Google Shape;126;p16"/>
+          <p:cNvPr id="127" name="Google Shape;127;p16"/>
           <p:cNvPicPr preferRelativeResize="0"/>
           <p:nvPr/>
         </p:nvPicPr>
@@ -13535,7 +13668,7 @@
   <p:cSld>
     <p:spTree>
       <p:nvGrpSpPr>
-        <p:cNvPr id="130" name="Shape 130"/>
+        <p:cNvPr id="131" name="Shape 131"/>
         <p:cNvGrpSpPr/>
         <p:nvPr/>
       </p:nvGrpSpPr>
@@ -13549,7 +13682,7 @@
       </p:grpSpPr>
       <p:sp>
         <p:nvSpPr>
-          <p:cNvPr id="131" name="Google Shape;131;p17"/>
+          <p:cNvPr id="132" name="Google Shape;132;p17"/>
           <p:cNvSpPr txBox="1"/>
           <p:nvPr>
             <p:ph type="title"/>
@@ -13592,7 +13725,7 @@
       </p:sp>
       <p:sp>
         <p:nvSpPr>
-          <p:cNvPr id="132" name="Google Shape;132;p17"/>
+          <p:cNvPr id="133" name="Google Shape;133;p17"/>
           <p:cNvSpPr txBox="1"/>
           <p:nvPr/>
         </p:nvSpPr>
@@ -13636,7 +13769,7 @@
       </p:sp>
       <p:sp>
         <p:nvSpPr>
-          <p:cNvPr id="133" name="Google Shape;133;p17"/>
+          <p:cNvPr id="134" name="Google Shape;134;p17"/>
           <p:cNvSpPr txBox="1"/>
           <p:nvPr>
             <p:ph idx="4294967295" type="body"/>
@@ -13697,7 +13830,7 @@
       </p:sp>
       <p:sp>
         <p:nvSpPr>
-          <p:cNvPr id="134" name="Google Shape;134;p17"/>
+          <p:cNvPr id="135" name="Google Shape;135;p17"/>
           <p:cNvSpPr txBox="1"/>
           <p:nvPr>
             <p:ph idx="4294967295" type="body"/>
@@ -13758,7 +13891,7 @@
       </p:sp>
       <p:sp>
         <p:nvSpPr>
-          <p:cNvPr id="135" name="Google Shape;135;p17"/>
+          <p:cNvPr id="136" name="Google Shape;136;p17"/>
           <p:cNvSpPr txBox="1"/>
           <p:nvPr/>
         </p:nvSpPr>
@@ -13802,7 +13935,7 @@
       </p:sp>
       <p:pic>
         <p:nvPicPr>
-          <p:cNvPr id="136" name="Google Shape;136;p17"/>
+          <p:cNvPr id="137" name="Google Shape;137;p17"/>
           <p:cNvPicPr preferRelativeResize="0"/>
           <p:nvPr/>
         </p:nvPicPr>
@@ -13830,7 +13963,7 @@
       </p:pic>
       <p:pic>
         <p:nvPicPr>
-          <p:cNvPr id="137" name="Google Shape;137;p17"/>
+          <p:cNvPr id="138" name="Google Shape;138;p17"/>
           <p:cNvPicPr preferRelativeResize="0"/>
           <p:nvPr/>
         </p:nvPicPr>
@@ -13858,7 +13991,7 @@
       </p:pic>
       <p:pic>
         <p:nvPicPr>
-          <p:cNvPr id="138" name="Google Shape;138;p17"/>
+          <p:cNvPr id="139" name="Google Shape;139;p17"/>
           <p:cNvPicPr preferRelativeResize="0"/>
           <p:nvPr/>
         </p:nvPicPr>
@@ -13886,7 +14019,7 @@
       </p:pic>
       <p:pic>
         <p:nvPicPr>
-          <p:cNvPr id="139" name="Google Shape;139;p17"/>
+          <p:cNvPr id="140" name="Google Shape;140;p17"/>
           <p:cNvPicPr preferRelativeResize="0"/>
           <p:nvPr/>
         </p:nvPicPr>
@@ -13925,7 +14058,7 @@
   <p:cSld>
     <p:spTree>
       <p:nvGrpSpPr>
-        <p:cNvPr id="143" name="Shape 143"/>
+        <p:cNvPr id="144" name="Shape 144"/>
         <p:cNvGrpSpPr/>
         <p:nvPr/>
       </p:nvGrpSpPr>
@@ -13939,7 +14072,7 @@
       </p:grpSpPr>
       <p:sp>
         <p:nvSpPr>
-          <p:cNvPr id="144" name="Google Shape;144;p18"/>
+          <p:cNvPr id="145" name="Google Shape;145;p18"/>
           <p:cNvSpPr txBox="1"/>
           <p:nvPr>
             <p:ph type="title"/>
@@ -14008,7 +14141,7 @@
       </p:sp>
       <p:grpSp>
         <p:nvGrpSpPr>
-          <p:cNvPr id="145" name="Google Shape;145;p18"/>
+          <p:cNvPr id="146" name="Google Shape;146;p18"/>
           <p:cNvGrpSpPr/>
           <p:nvPr/>
         </p:nvGrpSpPr>
@@ -14022,7 +14155,7 @@
         </p:grpSpPr>
         <p:sp>
           <p:nvSpPr>
-            <p:cNvPr id="146" name="Google Shape;146;p18"/>
+            <p:cNvPr id="147" name="Google Shape;147;p18"/>
             <p:cNvSpPr txBox="1"/>
             <p:nvPr/>
           </p:nvSpPr>
@@ -14065,7 +14198,7 @@
         </p:sp>
         <p:sp>
           <p:nvSpPr>
-            <p:cNvPr id="147" name="Google Shape;147;p18"/>
+            <p:cNvPr id="148" name="Google Shape;148;p18"/>
             <p:cNvSpPr/>
             <p:nvPr/>
           </p:nvSpPr>
@@ -14113,7 +14246,7 @@
       </p:grpSp>
       <p:sp>
         <p:nvSpPr>
-          <p:cNvPr id="148" name="Google Shape;148;p18"/>
+          <p:cNvPr id="149" name="Google Shape;149;p18"/>
           <p:cNvSpPr txBox="1"/>
           <p:nvPr/>
         </p:nvSpPr>
@@ -14157,7 +14290,7 @@
       </p:sp>
       <p:sp>
         <p:nvSpPr>
-          <p:cNvPr id="149" name="Google Shape;149;p18"/>
+          <p:cNvPr id="150" name="Google Shape;150;p18"/>
           <p:cNvSpPr txBox="1"/>
           <p:nvPr>
             <p:ph idx="4294967295" type="body"/>
@@ -14218,7 +14351,7 @@
       </p:sp>
       <p:sp>
         <p:nvSpPr>
-          <p:cNvPr id="150" name="Google Shape;150;p18"/>
+          <p:cNvPr id="151" name="Google Shape;151;p18"/>
           <p:cNvSpPr txBox="1"/>
           <p:nvPr>
             <p:ph idx="4294967295" type="body"/>
@@ -14279,7 +14412,7 @@
       </p:sp>
       <p:sp>
         <p:nvSpPr>
-          <p:cNvPr id="151" name="Google Shape;151;p18"/>
+          <p:cNvPr id="152" name="Google Shape;152;p18"/>
           <p:cNvSpPr txBox="1"/>
           <p:nvPr/>
         </p:nvSpPr>
@@ -14483,7 +14616,7 @@
       </p:sp>
       <p:sp>
         <p:nvSpPr>
-          <p:cNvPr id="152" name="Google Shape;152;p18"/>
+          <p:cNvPr id="153" name="Google Shape;153;p18"/>
           <p:cNvSpPr txBox="1"/>
           <p:nvPr/>
         </p:nvSpPr>
@@ -14527,7 +14660,7 @@
       </p:sp>
       <p:grpSp>
         <p:nvGrpSpPr>
-          <p:cNvPr id="153" name="Google Shape;153;p18"/>
+          <p:cNvPr id="154" name="Google Shape;154;p18"/>
           <p:cNvGrpSpPr/>
           <p:nvPr/>
         </p:nvGrpSpPr>
@@ -14541,7 +14674,7 @@
         </p:grpSpPr>
         <p:sp>
           <p:nvSpPr>
-            <p:cNvPr id="154" name="Google Shape;154;p18"/>
+            <p:cNvPr id="155" name="Google Shape;155;p18"/>
             <p:cNvSpPr txBox="1"/>
             <p:nvPr/>
           </p:nvSpPr>
@@ -14584,7 +14717,7 @@
         </p:sp>
         <p:sp>
           <p:nvSpPr>
-            <p:cNvPr id="155" name="Google Shape;155;p18"/>
+            <p:cNvPr id="156" name="Google Shape;156;p18"/>
             <p:cNvSpPr/>
             <p:nvPr/>
           </p:nvSpPr>
@@ -14682,7 +14815,7 @@
       </p:grpSp>
       <p:sp>
         <p:nvSpPr>
-          <p:cNvPr id="156" name="Google Shape;156;p18"/>
+          <p:cNvPr id="157" name="Google Shape;157;p18"/>
           <p:cNvSpPr txBox="1"/>
           <p:nvPr/>
         </p:nvSpPr>
@@ -14739,7 +14872,7 @@
       </p:sp>
       <p:grpSp>
         <p:nvGrpSpPr>
-          <p:cNvPr id="157" name="Google Shape;157;p18"/>
+          <p:cNvPr id="158" name="Google Shape;158;p18"/>
           <p:cNvGrpSpPr/>
           <p:nvPr/>
         </p:nvGrpSpPr>
@@ -14753,7 +14886,7 @@
         </p:grpSpPr>
         <p:sp>
           <p:nvSpPr>
-            <p:cNvPr id="158" name="Google Shape;158;p18"/>
+            <p:cNvPr id="159" name="Google Shape;159;p18"/>
             <p:cNvSpPr txBox="1"/>
             <p:nvPr/>
           </p:nvSpPr>
@@ -14796,7 +14929,7 @@
         </p:sp>
         <p:sp>
           <p:nvSpPr>
-            <p:cNvPr id="159" name="Google Shape;159;p18"/>
+            <p:cNvPr id="160" name="Google Shape;160;p18"/>
             <p:cNvSpPr/>
             <p:nvPr/>
           </p:nvSpPr>
@@ -15052,7 +15185,7 @@
   <p:cSld>
     <p:spTree>
       <p:nvGrpSpPr>
-        <p:cNvPr id="163" name="Shape 163"/>
+        <p:cNvPr id="164" name="Shape 164"/>
         <p:cNvGrpSpPr/>
         <p:nvPr/>
       </p:nvGrpSpPr>
@@ -15066,7 +15199,7 @@
       </p:grpSpPr>
       <p:sp>
         <p:nvSpPr>
-          <p:cNvPr id="164" name="Google Shape;164;p19"/>
+          <p:cNvPr id="165" name="Google Shape;165;p19"/>
           <p:cNvSpPr txBox="1"/>
           <p:nvPr>
             <p:ph type="title"/>
@@ -15117,7 +15250,7 @@
       </p:sp>
       <p:grpSp>
         <p:nvGrpSpPr>
-          <p:cNvPr id="165" name="Google Shape;165;p19"/>
+          <p:cNvPr id="166" name="Google Shape;166;p19"/>
           <p:cNvGrpSpPr/>
           <p:nvPr/>
         </p:nvGrpSpPr>
@@ -15131,7 +15264,7 @@
         </p:grpSpPr>
         <p:sp>
           <p:nvSpPr>
-            <p:cNvPr id="166" name="Google Shape;166;p19"/>
+            <p:cNvPr id="167" name="Google Shape;167;p19"/>
             <p:cNvSpPr txBox="1"/>
             <p:nvPr/>
           </p:nvSpPr>
@@ -15174,7 +15307,7 @@
         </p:sp>
         <p:sp>
           <p:nvSpPr>
-            <p:cNvPr id="167" name="Google Shape;167;p19"/>
+            <p:cNvPr id="168" name="Google Shape;168;p19"/>
             <p:cNvSpPr/>
             <p:nvPr/>
           </p:nvSpPr>
@@ -15222,7 +15355,7 @@
       </p:grpSp>
       <p:sp>
         <p:nvSpPr>
-          <p:cNvPr id="168" name="Google Shape;168;p19"/>
+          <p:cNvPr id="169" name="Google Shape;169;p19"/>
           <p:cNvSpPr txBox="1"/>
           <p:nvPr/>
         </p:nvSpPr>
@@ -15266,7 +15399,7 @@
       </p:sp>
       <p:sp>
         <p:nvSpPr>
-          <p:cNvPr id="169" name="Google Shape;169;p19"/>
+          <p:cNvPr id="170" name="Google Shape;170;p19"/>
           <p:cNvSpPr txBox="1"/>
           <p:nvPr>
             <p:ph idx="4294967295" type="body"/>
@@ -15327,7 +15460,7 @@
       </p:sp>
       <p:sp>
         <p:nvSpPr>
-          <p:cNvPr id="170" name="Google Shape;170;p19"/>
+          <p:cNvPr id="171" name="Google Shape;171;p19"/>
           <p:cNvSpPr txBox="1"/>
           <p:nvPr>
             <p:ph idx="4294967295" type="body"/>
@@ -15388,7 +15521,7 @@
       </p:sp>
       <p:sp>
         <p:nvSpPr>
-          <p:cNvPr id="171" name="Google Shape;171;p19"/>
+          <p:cNvPr id="172" name="Google Shape;172;p19"/>
           <p:cNvSpPr txBox="1"/>
           <p:nvPr/>
         </p:nvSpPr>
@@ -15478,7 +15611,7 @@
       </p:sp>
       <p:sp>
         <p:nvSpPr>
-          <p:cNvPr id="172" name="Google Shape;172;p19"/>
+          <p:cNvPr id="173" name="Google Shape;173;p19"/>
           <p:cNvSpPr txBox="1"/>
           <p:nvPr/>
         </p:nvSpPr>
@@ -15522,7 +15655,7 @@
       </p:sp>
       <p:grpSp>
         <p:nvGrpSpPr>
-          <p:cNvPr id="173" name="Google Shape;173;p19"/>
+          <p:cNvPr id="174" name="Google Shape;174;p19"/>
           <p:cNvGrpSpPr/>
           <p:nvPr/>
         </p:nvGrpSpPr>
@@ -15536,7 +15669,7 @@
         </p:grpSpPr>
         <p:sp>
           <p:nvSpPr>
-            <p:cNvPr id="174" name="Google Shape;174;p19"/>
+            <p:cNvPr id="175" name="Google Shape;175;p19"/>
             <p:cNvSpPr txBox="1"/>
             <p:nvPr/>
           </p:nvSpPr>
@@ -15579,7 +15712,7 @@
         </p:sp>
         <p:sp>
           <p:nvSpPr>
-            <p:cNvPr id="175" name="Google Shape;175;p19"/>
+            <p:cNvPr id="176" name="Google Shape;176;p19"/>
             <p:cNvSpPr/>
             <p:nvPr/>
           </p:nvSpPr>
@@ -15722,7 +15855,7 @@
       </p:grpSp>
       <p:sp>
         <p:nvSpPr>
-          <p:cNvPr id="176" name="Google Shape;176;p19"/>
+          <p:cNvPr id="177" name="Google Shape;177;p19"/>
           <p:cNvSpPr txBox="1"/>
           <p:nvPr/>
         </p:nvSpPr>
@@ -15779,7 +15912,7 @@
       </p:sp>
       <p:pic>
         <p:nvPicPr>
-          <p:cNvPr id="177" name="Google Shape;177;p19"/>
+          <p:cNvPr id="178" name="Google Shape;178;p19"/>
           <p:cNvPicPr preferRelativeResize="0"/>
           <p:nvPr/>
         </p:nvPicPr>
@@ -15805,65 +15938,9 @@
           </a:ln>
         </p:spPr>
       </p:pic>
-      <p:pic>
-        <p:nvPicPr>
-          <p:cNvPr id="178" name="Google Shape;178;p19"/>
-          <p:cNvPicPr preferRelativeResize="0"/>
-          <p:nvPr/>
-        </p:nvPicPr>
-        <p:blipFill>
-          <a:blip r:embed="rId4">
-            <a:alphaModFix/>
-          </a:blip>
-          <a:stretch>
-            <a:fillRect/>
-          </a:stretch>
-        </p:blipFill>
-        <p:spPr>
-          <a:xfrm>
-            <a:off x="3569275" y="3592675"/>
-            <a:ext cx="2157275" cy="971550"/>
-          </a:xfrm>
-          <a:prstGeom prst="rect">
-            <a:avLst/>
-          </a:prstGeom>
-          <a:noFill/>
-          <a:ln>
-            <a:noFill/>
-          </a:ln>
-        </p:spPr>
-      </p:pic>
-      <p:pic>
-        <p:nvPicPr>
-          <p:cNvPr id="179" name="Google Shape;179;p19"/>
-          <p:cNvPicPr preferRelativeResize="0"/>
-          <p:nvPr/>
-        </p:nvPicPr>
-        <p:blipFill>
-          <a:blip r:embed="rId5">
-            <a:alphaModFix/>
-          </a:blip>
-          <a:stretch>
-            <a:fillRect/>
-          </a:stretch>
-        </p:blipFill>
-        <p:spPr>
-          <a:xfrm>
-            <a:off x="3517313" y="2391150"/>
-            <a:ext cx="2261200" cy="832875"/>
-          </a:xfrm>
-          <a:prstGeom prst="rect">
-            <a:avLst/>
-          </a:prstGeom>
-          <a:noFill/>
-          <a:ln>
-            <a:noFill/>
-          </a:ln>
-        </p:spPr>
-      </p:pic>
       <p:sp>
         <p:nvSpPr>
-          <p:cNvPr id="180" name="Google Shape;180;p19"/>
+          <p:cNvPr id="179" name="Google Shape;179;p19"/>
           <p:cNvSpPr txBox="1"/>
           <p:nvPr/>
         </p:nvSpPr>
@@ -15915,12 +15992,12 @@
       </p:sp>
       <p:pic>
         <p:nvPicPr>
-          <p:cNvPr id="181" name="Google Shape;181;p19"/>
+          <p:cNvPr id="180" name="Google Shape;180;p19"/>
           <p:cNvPicPr preferRelativeResize="0"/>
           <p:nvPr/>
         </p:nvPicPr>
         <p:blipFill>
-          <a:blip r:embed="rId6">
+          <a:blip r:embed="rId4">
             <a:alphaModFix/>
           </a:blip>
           <a:stretch>
@@ -15943,21 +16020,78 @@
       </p:pic>
       <p:pic>
         <p:nvPicPr>
+          <p:cNvPr id="181" name="Google Shape;181;p19"/>
+          <p:cNvPicPr preferRelativeResize="0"/>
+          <p:nvPr/>
+        </p:nvPicPr>
+        <p:blipFill>
+          <a:blip r:embed="rId5">
+            <a:alphaModFix/>
+          </a:blip>
+          <a:stretch>
+            <a:fillRect/>
+          </a:stretch>
+        </p:blipFill>
+        <p:spPr>
+          <a:xfrm>
+            <a:off x="3458175" y="2391150"/>
+            <a:ext cx="2528675" cy="826775"/>
+          </a:xfrm>
+          <a:prstGeom prst="rect">
+            <a:avLst/>
+          </a:prstGeom>
+          <a:noFill/>
+          <a:ln>
+            <a:noFill/>
+          </a:ln>
+        </p:spPr>
+      </p:pic>
+      <p:pic>
+        <p:nvPicPr>
           <p:cNvPr id="182" name="Google Shape;182;p19"/>
           <p:cNvPicPr preferRelativeResize="0"/>
           <p:nvPr/>
         </p:nvPicPr>
-        <p:blipFill rotWithShape="1">
+        <p:blipFill>
+          <a:blip r:embed="rId6">
+            <a:alphaModFix/>
+          </a:blip>
+          <a:stretch>
+            <a:fillRect/>
+          </a:stretch>
+        </p:blipFill>
+        <p:spPr>
+          <a:xfrm>
+            <a:off x="3530275" y="3865475"/>
+            <a:ext cx="2456575" cy="694900"/>
+          </a:xfrm>
+          <a:prstGeom prst="rect">
+            <a:avLst/>
+          </a:prstGeom>
+          <a:noFill/>
+          <a:ln>
+            <a:noFill/>
+          </a:ln>
+        </p:spPr>
+      </p:pic>
+      <p:pic>
+        <p:nvPicPr>
+          <p:cNvPr id="183" name="Google Shape;183;p19"/>
+          <p:cNvPicPr preferRelativeResize="0"/>
+          <p:nvPr/>
+        </p:nvPicPr>
+        <p:blipFill>
           <a:blip r:embed="rId7">
             <a:alphaModFix/>
           </a:blip>
-          <a:srcRect b="4897" l="0" r="0" t="0"/>
-          <a:stretch/>
+          <a:stretch>
+            <a:fillRect/>
+          </a:stretch>
         </p:blipFill>
         <p:spPr>
           <a:xfrm>
-            <a:off x="6284875" y="1304875"/>
-            <a:ext cx="2494500" cy="3584625"/>
+            <a:off x="6226125" y="1304875"/>
+            <a:ext cx="2793626" cy="3584475"/>
           </a:xfrm>
           <a:prstGeom prst="rect">
             <a:avLst/>
@@ -15981,7 +16115,7 @@
   <p:cSld>
     <p:spTree>
       <p:nvGrpSpPr>
-        <p:cNvPr id="186" name="Shape 186"/>
+        <p:cNvPr id="187" name="Shape 187"/>
         <p:cNvGrpSpPr/>
         <p:nvPr/>
       </p:nvGrpSpPr>
@@ -15995,7 +16129,7 @@
       </p:grpSpPr>
       <p:sp>
         <p:nvSpPr>
-          <p:cNvPr id="187" name="Google Shape;187;p20"/>
+          <p:cNvPr id="188" name="Google Shape;188;p20"/>
           <p:cNvSpPr txBox="1"/>
           <p:nvPr>
             <p:ph type="title"/>
@@ -16046,7 +16180,7 @@
       </p:sp>
       <p:grpSp>
         <p:nvGrpSpPr>
-          <p:cNvPr id="188" name="Google Shape;188;p20"/>
+          <p:cNvPr id="189" name="Google Shape;189;p20"/>
           <p:cNvGrpSpPr/>
           <p:nvPr/>
         </p:nvGrpSpPr>
@@ -16060,7 +16194,7 @@
         </p:grpSpPr>
         <p:sp>
           <p:nvSpPr>
-            <p:cNvPr id="189" name="Google Shape;189;p20"/>
+            <p:cNvPr id="190" name="Google Shape;190;p20"/>
             <p:cNvSpPr txBox="1"/>
             <p:nvPr/>
           </p:nvSpPr>
@@ -16103,7 +16237,7 @@
         </p:sp>
         <p:sp>
           <p:nvSpPr>
-            <p:cNvPr id="190" name="Google Shape;190;p20"/>
+            <p:cNvPr id="191" name="Google Shape;191;p20"/>
             <p:cNvSpPr/>
             <p:nvPr/>
           </p:nvSpPr>
@@ -16151,7 +16285,7 @@
       </p:grpSp>
       <p:sp>
         <p:nvSpPr>
-          <p:cNvPr id="191" name="Google Shape;191;p20"/>
+          <p:cNvPr id="192" name="Google Shape;192;p20"/>
           <p:cNvSpPr txBox="1"/>
           <p:nvPr>
             <p:ph idx="4294967295" type="body"/>
@@ -16212,7 +16346,7 @@
       </p:sp>
       <p:sp>
         <p:nvSpPr>
-          <p:cNvPr id="192" name="Google Shape;192;p20"/>
+          <p:cNvPr id="193" name="Google Shape;193;p20"/>
           <p:cNvSpPr txBox="1"/>
           <p:nvPr>
             <p:ph idx="4294967295" type="body"/>
@@ -16406,7 +16540,7 @@
       </p:sp>
       <p:sp>
         <p:nvSpPr>
-          <p:cNvPr id="193" name="Google Shape;193;p20"/>
+          <p:cNvPr id="194" name="Google Shape;194;p20"/>
           <p:cNvSpPr txBox="1"/>
           <p:nvPr/>
         </p:nvSpPr>
@@ -16450,7 +16584,7 @@
       </p:sp>
       <p:sp>
         <p:nvSpPr>
-          <p:cNvPr id="194" name="Google Shape;194;p20"/>
+          <p:cNvPr id="195" name="Google Shape;195;p20"/>
           <p:cNvSpPr txBox="1"/>
           <p:nvPr>
             <p:ph idx="4294967295" type="body"/>
@@ -16511,7 +16645,7 @@
       </p:sp>
       <p:sp>
         <p:nvSpPr>
-          <p:cNvPr id="195" name="Google Shape;195;p20"/>
+          <p:cNvPr id="196" name="Google Shape;196;p20"/>
           <p:cNvSpPr txBox="1"/>
           <p:nvPr>
             <p:ph idx="4294967295" type="body"/>
@@ -16572,7 +16706,7 @@
       </p:sp>
       <p:grpSp>
         <p:nvGrpSpPr>
-          <p:cNvPr id="196" name="Google Shape;196;p20"/>
+          <p:cNvPr id="197" name="Google Shape;197;p20"/>
           <p:cNvGrpSpPr/>
           <p:nvPr/>
         </p:nvGrpSpPr>
@@ -16586,7 +16720,7 @@
         </p:grpSpPr>
         <p:sp>
           <p:nvSpPr>
-            <p:cNvPr id="197" name="Google Shape;197;p20"/>
+            <p:cNvPr id="198" name="Google Shape;198;p20"/>
             <p:cNvSpPr txBox="1"/>
             <p:nvPr/>
           </p:nvSpPr>
@@ -16629,7 +16763,7 @@
         </p:sp>
         <p:sp>
           <p:nvSpPr>
-            <p:cNvPr id="198" name="Google Shape;198;p20"/>
+            <p:cNvPr id="199" name="Google Shape;199;p20"/>
             <p:cNvSpPr/>
             <p:nvPr/>
           </p:nvSpPr>
@@ -16785,7 +16919,7 @@
       </p:grpSp>
       <p:grpSp>
         <p:nvGrpSpPr>
-          <p:cNvPr id="199" name="Google Shape;199;p20"/>
+          <p:cNvPr id="200" name="Google Shape;200;p20"/>
           <p:cNvGrpSpPr/>
           <p:nvPr/>
         </p:nvGrpSpPr>
@@ -16799,7 +16933,7 @@
         </p:grpSpPr>
         <p:sp>
           <p:nvSpPr>
-            <p:cNvPr id="200" name="Google Shape;200;p20"/>
+            <p:cNvPr id="201" name="Google Shape;201;p20"/>
             <p:cNvSpPr txBox="1"/>
             <p:nvPr/>
           </p:nvSpPr>
@@ -16842,7 +16976,7 @@
         </p:sp>
         <p:sp>
           <p:nvSpPr>
-            <p:cNvPr id="201" name="Google Shape;201;p20"/>
+            <p:cNvPr id="202" name="Google Shape;202;p20"/>
             <p:cNvSpPr/>
             <p:nvPr/>
           </p:nvSpPr>
@@ -17024,7 +17158,7 @@
   <p:cSld>
     <p:spTree>
       <p:nvGrpSpPr>
-        <p:cNvPr id="205" name="Shape 205"/>
+        <p:cNvPr id="206" name="Shape 206"/>
         <p:cNvGrpSpPr/>
         <p:nvPr/>
       </p:nvGrpSpPr>
@@ -17038,7 +17172,7 @@
       </p:grpSpPr>
       <p:sp>
         <p:nvSpPr>
-          <p:cNvPr id="206" name="Google Shape;206;p21"/>
+          <p:cNvPr id="207" name="Google Shape;207;p21"/>
           <p:cNvSpPr txBox="1"/>
           <p:nvPr>
             <p:ph type="title"/>
@@ -17097,7 +17231,7 @@
       </p:sp>
       <p:grpSp>
         <p:nvGrpSpPr>
-          <p:cNvPr id="207" name="Google Shape;207;p21"/>
+          <p:cNvPr id="208" name="Google Shape;208;p21"/>
           <p:cNvGrpSpPr/>
           <p:nvPr/>
         </p:nvGrpSpPr>
@@ -17111,7 +17245,7 @@
         </p:grpSpPr>
         <p:sp>
           <p:nvSpPr>
-            <p:cNvPr id="208" name="Google Shape;208;p21"/>
+            <p:cNvPr id="209" name="Google Shape;209;p21"/>
             <p:cNvSpPr txBox="1"/>
             <p:nvPr/>
           </p:nvSpPr>
@@ -17154,7 +17288,7 @@
         </p:sp>
         <p:sp>
           <p:nvSpPr>
-            <p:cNvPr id="209" name="Google Shape;209;p21"/>
+            <p:cNvPr id="210" name="Google Shape;210;p21"/>
             <p:cNvSpPr/>
             <p:nvPr/>
           </p:nvSpPr>
@@ -17202,7 +17336,7 @@
       </p:grpSp>
       <p:sp>
         <p:nvSpPr>
-          <p:cNvPr id="210" name="Google Shape;210;p21"/>
+          <p:cNvPr id="211" name="Google Shape;211;p21"/>
           <p:cNvSpPr txBox="1"/>
           <p:nvPr>
             <p:ph idx="4294967295" type="body"/>
@@ -17254,7 +17388,7 @@
       </p:sp>
       <p:sp>
         <p:nvSpPr>
-          <p:cNvPr id="211" name="Google Shape;211;p21"/>
+          <p:cNvPr id="212" name="Google Shape;212;p21"/>
           <p:cNvSpPr txBox="1"/>
           <p:nvPr>
             <p:ph idx="4294967295" type="body"/>
@@ -17682,7 +17816,7 @@
       </p:sp>
       <p:sp>
         <p:nvSpPr>
-          <p:cNvPr id="212" name="Google Shape;212;p21"/>
+          <p:cNvPr id="213" name="Google Shape;213;p21"/>
           <p:cNvSpPr txBox="1"/>
           <p:nvPr/>
         </p:nvSpPr>
@@ -17726,7 +17860,7 @@
       </p:sp>
       <p:sp>
         <p:nvSpPr>
-          <p:cNvPr id="213" name="Google Shape;213;p21"/>
+          <p:cNvPr id="214" name="Google Shape;214;p21"/>
           <p:cNvSpPr txBox="1"/>
           <p:nvPr>
             <p:ph idx="4294967295" type="body"/>
@@ -17787,7 +17921,7 @@
       </p:sp>
       <p:sp>
         <p:nvSpPr>
-          <p:cNvPr id="214" name="Google Shape;214;p21"/>
+          <p:cNvPr id="215" name="Google Shape;215;p21"/>
           <p:cNvSpPr txBox="1"/>
           <p:nvPr>
             <p:ph idx="4294967295" type="body"/>
@@ -17848,7 +17982,7 @@
       </p:sp>
       <p:grpSp>
         <p:nvGrpSpPr>
-          <p:cNvPr id="215" name="Google Shape;215;p21"/>
+          <p:cNvPr id="216" name="Google Shape;216;p21"/>
           <p:cNvGrpSpPr/>
           <p:nvPr/>
         </p:nvGrpSpPr>
@@ -17862,7 +17996,7 @@
         </p:grpSpPr>
         <p:sp>
           <p:nvSpPr>
-            <p:cNvPr id="216" name="Google Shape;216;p21"/>
+            <p:cNvPr id="217" name="Google Shape;217;p21"/>
             <p:cNvSpPr txBox="1"/>
             <p:nvPr/>
           </p:nvSpPr>
@@ -17905,7 +18039,7 @@
         </p:sp>
         <p:sp>
           <p:nvSpPr>
-            <p:cNvPr id="217" name="Google Shape;217;p21"/>
+            <p:cNvPr id="218" name="Google Shape;218;p21"/>
             <p:cNvSpPr/>
             <p:nvPr/>
           </p:nvSpPr>
@@ -18098,7 +18232,7 @@
       </p:grpSp>
       <p:pic>
         <p:nvPicPr>
-          <p:cNvPr id="218" name="Google Shape;218;p21"/>
+          <p:cNvPr id="219" name="Google Shape;219;p21"/>
           <p:cNvPicPr preferRelativeResize="0"/>
           <p:nvPr/>
         </p:nvPicPr>
@@ -18126,7 +18260,7 @@
       </p:pic>
       <p:pic>
         <p:nvPicPr>
-          <p:cNvPr id="219" name="Google Shape;219;p21"/>
+          <p:cNvPr id="220" name="Google Shape;220;p21"/>
           <p:cNvPicPr preferRelativeResize="0"/>
           <p:nvPr/>
         </p:nvPicPr>

--- a/HDB Price Analysis.pptx
+++ b/HDB Price Analysis.pptx
@@ -811,7 +811,7 @@
   <p:cSld>
     <p:spTree>
       <p:nvGrpSpPr>
-        <p:cNvPr id="221" name="Shape 221"/>
+        <p:cNvPr id="219" name="Shape 219"/>
         <p:cNvGrpSpPr/>
         <p:nvPr/>
       </p:nvGrpSpPr>
@@ -825,7 +825,7 @@
       </p:grpSpPr>
       <p:sp>
         <p:nvSpPr>
-          <p:cNvPr id="222" name="Google Shape;222;g3b336f9154f_0_200:notes"/>
+          <p:cNvPr id="220" name="Google Shape;220;g3b336f9154f_0_200:notes"/>
           <p:cNvSpPr/>
           <p:nvPr>
             <p:ph idx="2" type="sldImg"/>
@@ -860,7 +860,7 @@
       </p:sp>
       <p:sp>
         <p:nvSpPr>
-          <p:cNvPr id="223" name="Google Shape;223;g3b336f9154f_0_200:notes"/>
+          <p:cNvPr id="221" name="Google Shape;221;g3b336f9154f_0_200:notes"/>
           <p:cNvSpPr txBox="1"/>
           <p:nvPr>
             <p:ph idx="1" type="body"/>
@@ -910,7 +910,7 @@
   <p:cSld>
     <p:spTree>
       <p:nvGrpSpPr>
-        <p:cNvPr id="237" name="Shape 237"/>
+        <p:cNvPr id="235" name="Shape 235"/>
         <p:cNvGrpSpPr/>
         <p:nvPr/>
       </p:nvGrpSpPr>
@@ -924,7 +924,7 @@
       </p:grpSpPr>
       <p:sp>
         <p:nvSpPr>
-          <p:cNvPr id="238" name="Google Shape;238;g3b336f9154f_0_222:notes"/>
+          <p:cNvPr id="236" name="Google Shape;236;g3b336f9154f_0_222:notes"/>
           <p:cNvSpPr/>
           <p:nvPr>
             <p:ph idx="2" type="sldImg"/>
@@ -959,7 +959,7 @@
       </p:sp>
       <p:sp>
         <p:nvSpPr>
-          <p:cNvPr id="239" name="Google Shape;239;g3b336f9154f_0_222:notes"/>
+          <p:cNvPr id="237" name="Google Shape;237;g3b336f9154f_0_222:notes"/>
           <p:cNvSpPr txBox="1"/>
           <p:nvPr>
             <p:ph idx="1" type="body"/>
@@ -1009,7 +1009,7 @@
   <p:cSld>
     <p:spTree>
       <p:nvGrpSpPr>
-        <p:cNvPr id="255" name="Shape 255"/>
+        <p:cNvPr id="253" name="Shape 253"/>
         <p:cNvGrpSpPr/>
         <p:nvPr/>
       </p:nvGrpSpPr>
@@ -1023,7 +1023,7 @@
       </p:grpSpPr>
       <p:sp>
         <p:nvSpPr>
-          <p:cNvPr id="256" name="Google Shape;256;g3b336f9154f_0_141:notes"/>
+          <p:cNvPr id="254" name="Google Shape;254;g3b336f9154f_0_141:notes"/>
           <p:cNvSpPr/>
           <p:nvPr>
             <p:ph idx="2" type="sldImg"/>
@@ -1058,7 +1058,7 @@
       </p:sp>
       <p:sp>
         <p:nvSpPr>
-          <p:cNvPr id="257" name="Google Shape;257;g3b336f9154f_0_141:notes"/>
+          <p:cNvPr id="255" name="Google Shape;255;g3b336f9154f_0_141:notes"/>
           <p:cNvSpPr txBox="1"/>
           <p:nvPr>
             <p:ph idx="1" type="body"/>
@@ -1108,7 +1108,7 @@
   <p:cSld>
     <p:spTree>
       <p:nvGrpSpPr>
-        <p:cNvPr id="276" name="Shape 276"/>
+        <p:cNvPr id="274" name="Shape 274"/>
         <p:cNvGrpSpPr/>
         <p:nvPr/>
       </p:nvGrpSpPr>
@@ -1122,7 +1122,7 @@
       </p:grpSpPr>
       <p:sp>
         <p:nvSpPr>
-          <p:cNvPr id="277" name="Google Shape;277;gc6f9e470d_0_43:notes"/>
+          <p:cNvPr id="275" name="Google Shape;275;gc6f9e470d_0_43:notes"/>
           <p:cNvSpPr/>
           <p:nvPr>
             <p:ph idx="2" type="sldImg"/>
@@ -1157,7 +1157,7 @@
       </p:sp>
       <p:sp>
         <p:nvSpPr>
-          <p:cNvPr id="278" name="Google Shape;278;gc6f9e470d_0_43:notes"/>
+          <p:cNvPr id="276" name="Google Shape;276;gc6f9e470d_0_43:notes"/>
           <p:cNvSpPr txBox="1"/>
           <p:nvPr>
             <p:ph idx="1" type="body"/>
@@ -1914,7 +1914,7 @@
       </p:grpSpPr>
       <p:sp>
         <p:nvSpPr>
-          <p:cNvPr id="204" name="Google Shape;204;g3b336f9154f_0_123:notes"/>
+          <p:cNvPr id="204" name="Google Shape;204;g3b342b77762_0_0:notes"/>
           <p:cNvSpPr/>
           <p:nvPr>
             <p:ph idx="2" type="sldImg"/>
@@ -1949,7 +1949,7 @@
       </p:sp>
       <p:sp>
         <p:nvSpPr>
-          <p:cNvPr id="205" name="Google Shape;205;g3b336f9154f_0_123:notes"/>
+          <p:cNvPr id="205" name="Google Shape;205;g3b342b77762_0_0:notes"/>
           <p:cNvSpPr txBox="1"/>
           <p:nvPr>
             <p:ph idx="1" type="body"/>
@@ -8672,7 +8672,7 @@
   <p:cSld>
     <p:spTree>
       <p:nvGrpSpPr>
-        <p:cNvPr id="224" name="Shape 224"/>
+        <p:cNvPr id="222" name="Shape 222"/>
         <p:cNvGrpSpPr/>
         <p:nvPr/>
       </p:nvGrpSpPr>
@@ -8686,7 +8686,7 @@
       </p:grpSpPr>
       <p:sp>
         <p:nvSpPr>
-          <p:cNvPr id="225" name="Google Shape;225;p22"/>
+          <p:cNvPr id="223" name="Google Shape;223;p22"/>
           <p:cNvSpPr txBox="1"/>
           <p:nvPr>
             <p:ph type="title"/>
@@ -8745,7 +8745,7 @@
       </p:sp>
       <p:grpSp>
         <p:nvGrpSpPr>
-          <p:cNvPr id="226" name="Google Shape;226;p22"/>
+          <p:cNvPr id="224" name="Google Shape;224;p22"/>
           <p:cNvGrpSpPr/>
           <p:nvPr/>
         </p:nvGrpSpPr>
@@ -8759,7 +8759,7 @@
         </p:grpSpPr>
         <p:sp>
           <p:nvSpPr>
-            <p:cNvPr id="227" name="Google Shape;227;p22"/>
+            <p:cNvPr id="225" name="Google Shape;225;p22"/>
             <p:cNvSpPr txBox="1"/>
             <p:nvPr/>
           </p:nvSpPr>
@@ -8802,7 +8802,7 @@
         </p:sp>
         <p:sp>
           <p:nvSpPr>
-            <p:cNvPr id="228" name="Google Shape;228;p22"/>
+            <p:cNvPr id="226" name="Google Shape;226;p22"/>
             <p:cNvSpPr/>
             <p:nvPr/>
           </p:nvSpPr>
@@ -8850,7 +8850,7 @@
       </p:grpSp>
       <p:sp>
         <p:nvSpPr>
-          <p:cNvPr id="229" name="Google Shape;229;p22"/>
+          <p:cNvPr id="227" name="Google Shape;227;p22"/>
           <p:cNvSpPr txBox="1"/>
           <p:nvPr>
             <p:ph idx="4294967295" type="body"/>
@@ -8902,7 +8902,7 @@
       </p:sp>
       <p:sp>
         <p:nvSpPr>
-          <p:cNvPr id="230" name="Google Shape;230;p22"/>
+          <p:cNvPr id="228" name="Google Shape;228;p22"/>
           <p:cNvSpPr txBox="1"/>
           <p:nvPr>
             <p:ph idx="4294967295" type="body"/>
@@ -9217,7 +9217,7 @@
       </p:sp>
       <p:sp>
         <p:nvSpPr>
-          <p:cNvPr id="231" name="Google Shape;231;p22"/>
+          <p:cNvPr id="229" name="Google Shape;229;p22"/>
           <p:cNvSpPr txBox="1"/>
           <p:nvPr>
             <p:ph idx="4294967295" type="body"/>
@@ -9278,7 +9278,7 @@
       </p:sp>
       <p:grpSp>
         <p:nvGrpSpPr>
-          <p:cNvPr id="232" name="Google Shape;232;p22"/>
+          <p:cNvPr id="230" name="Google Shape;230;p22"/>
           <p:cNvGrpSpPr/>
           <p:nvPr/>
         </p:nvGrpSpPr>
@@ -9292,7 +9292,7 @@
         </p:grpSpPr>
         <p:sp>
           <p:nvSpPr>
-            <p:cNvPr id="233" name="Google Shape;233;p22"/>
+            <p:cNvPr id="231" name="Google Shape;231;p22"/>
             <p:cNvSpPr txBox="1"/>
             <p:nvPr/>
           </p:nvSpPr>
@@ -9335,7 +9335,7 @@
         </p:sp>
         <p:sp>
           <p:nvSpPr>
-            <p:cNvPr id="234" name="Google Shape;234;p22"/>
+            <p:cNvPr id="232" name="Google Shape;232;p22"/>
             <p:cNvSpPr/>
             <p:nvPr/>
           </p:nvSpPr>
@@ -9501,7 +9501,7 @@
       </p:grpSp>
       <p:pic>
         <p:nvPicPr>
-          <p:cNvPr id="235" name="Google Shape;235;p22"/>
+          <p:cNvPr id="233" name="Google Shape;233;p22"/>
           <p:cNvPicPr preferRelativeResize="0"/>
           <p:nvPr/>
         </p:nvPicPr>
@@ -9529,7 +9529,7 @@
       </p:pic>
       <p:pic>
         <p:nvPicPr>
-          <p:cNvPr id="236" name="Google Shape;236;p22"/>
+          <p:cNvPr id="234" name="Google Shape;234;p22"/>
           <p:cNvPicPr preferRelativeResize="0"/>
           <p:nvPr/>
         </p:nvPicPr>
@@ -9568,7 +9568,7 @@
   <p:cSld>
     <p:spTree>
       <p:nvGrpSpPr>
-        <p:cNvPr id="240" name="Shape 240"/>
+        <p:cNvPr id="238" name="Shape 238"/>
         <p:cNvGrpSpPr/>
         <p:nvPr/>
       </p:nvGrpSpPr>
@@ -9582,7 +9582,7 @@
       </p:grpSpPr>
       <p:sp>
         <p:nvSpPr>
-          <p:cNvPr id="241" name="Google Shape;241;p23"/>
+          <p:cNvPr id="239" name="Google Shape;239;p23"/>
           <p:cNvSpPr txBox="1"/>
           <p:nvPr>
             <p:ph type="title"/>
@@ -9641,7 +9641,7 @@
       </p:sp>
       <p:grpSp>
         <p:nvGrpSpPr>
-          <p:cNvPr id="242" name="Google Shape;242;p23"/>
+          <p:cNvPr id="240" name="Google Shape;240;p23"/>
           <p:cNvGrpSpPr/>
           <p:nvPr/>
         </p:nvGrpSpPr>
@@ -9655,7 +9655,7 @@
         </p:grpSpPr>
         <p:sp>
           <p:nvSpPr>
-            <p:cNvPr id="243" name="Google Shape;243;p23"/>
+            <p:cNvPr id="241" name="Google Shape;241;p23"/>
             <p:cNvSpPr txBox="1"/>
             <p:nvPr/>
           </p:nvSpPr>
@@ -9698,7 +9698,7 @@
         </p:sp>
         <p:sp>
           <p:nvSpPr>
-            <p:cNvPr id="244" name="Google Shape;244;p23"/>
+            <p:cNvPr id="242" name="Google Shape;242;p23"/>
             <p:cNvSpPr/>
             <p:nvPr/>
           </p:nvSpPr>
@@ -9746,7 +9746,7 @@
       </p:grpSp>
       <p:sp>
         <p:nvSpPr>
-          <p:cNvPr id="245" name="Google Shape;245;p23"/>
+          <p:cNvPr id="243" name="Google Shape;243;p23"/>
           <p:cNvSpPr txBox="1"/>
           <p:nvPr>
             <p:ph idx="4294967295" type="body"/>
@@ -9798,7 +9798,7 @@
       </p:sp>
       <p:sp>
         <p:nvSpPr>
-          <p:cNvPr id="246" name="Google Shape;246;p23"/>
+          <p:cNvPr id="244" name="Google Shape;244;p23"/>
           <p:cNvSpPr txBox="1"/>
           <p:nvPr>
             <p:ph idx="4294967295" type="body"/>
@@ -9997,7 +9997,7 @@
       </p:sp>
       <p:sp>
         <p:nvSpPr>
-          <p:cNvPr id="247" name="Google Shape;247;p23"/>
+          <p:cNvPr id="245" name="Google Shape;245;p23"/>
           <p:cNvSpPr txBox="1"/>
           <p:nvPr>
             <p:ph idx="4294967295" type="body"/>
@@ -10058,7 +10058,7 @@
       </p:sp>
       <p:sp>
         <p:nvSpPr>
-          <p:cNvPr id="248" name="Google Shape;248;p23"/>
+          <p:cNvPr id="246" name="Google Shape;246;p23"/>
           <p:cNvSpPr txBox="1"/>
           <p:nvPr>
             <p:ph idx="4294967295" type="body"/>
@@ -10119,7 +10119,7 @@
       </p:sp>
       <p:grpSp>
         <p:nvGrpSpPr>
-          <p:cNvPr id="249" name="Google Shape;249;p23"/>
+          <p:cNvPr id="247" name="Google Shape;247;p23"/>
           <p:cNvGrpSpPr/>
           <p:nvPr/>
         </p:nvGrpSpPr>
@@ -10133,7 +10133,7 @@
         </p:grpSpPr>
         <p:sp>
           <p:nvSpPr>
-            <p:cNvPr id="250" name="Google Shape;250;p23"/>
+            <p:cNvPr id="248" name="Google Shape;248;p23"/>
             <p:cNvSpPr txBox="1"/>
             <p:nvPr/>
           </p:nvSpPr>
@@ -10176,7 +10176,7 @@
         </p:sp>
         <p:sp>
           <p:nvSpPr>
-            <p:cNvPr id="251" name="Google Shape;251;p23"/>
+            <p:cNvPr id="249" name="Google Shape;249;p23"/>
             <p:cNvSpPr/>
             <p:nvPr/>
           </p:nvSpPr>
@@ -10228,7 +10228,7 @@
       </p:grpSp>
       <p:sp>
         <p:nvSpPr>
-          <p:cNvPr id="252" name="Google Shape;252;p23"/>
+          <p:cNvPr id="250" name="Google Shape;250;p23"/>
           <p:cNvSpPr txBox="1"/>
           <p:nvPr/>
         </p:nvSpPr>
@@ -10388,7 +10388,7 @@
       </p:sp>
       <p:pic>
         <p:nvPicPr>
-          <p:cNvPr id="253" name="Google Shape;253;p23"/>
+          <p:cNvPr id="251" name="Google Shape;251;p23"/>
           <p:cNvPicPr preferRelativeResize="0"/>
           <p:nvPr/>
         </p:nvPicPr>
@@ -10416,7 +10416,7 @@
       </p:pic>
       <p:pic>
         <p:nvPicPr>
-          <p:cNvPr id="254" name="Google Shape;254;p23"/>
+          <p:cNvPr id="252" name="Google Shape;252;p23"/>
           <p:cNvPicPr preferRelativeResize="0"/>
           <p:nvPr/>
         </p:nvPicPr>
@@ -10455,7 +10455,7 @@
   <p:cSld>
     <p:spTree>
       <p:nvGrpSpPr>
-        <p:cNvPr id="258" name="Shape 258"/>
+        <p:cNvPr id="256" name="Shape 256"/>
         <p:cNvGrpSpPr/>
         <p:nvPr/>
       </p:nvGrpSpPr>
@@ -10469,7 +10469,7 @@
       </p:grpSpPr>
       <p:sp>
         <p:nvSpPr>
-          <p:cNvPr id="259" name="Google Shape;259;p24"/>
+          <p:cNvPr id="257" name="Google Shape;257;p24"/>
           <p:cNvSpPr txBox="1"/>
           <p:nvPr>
             <p:ph type="title"/>
@@ -10520,7 +10520,7 @@
       </p:sp>
       <p:grpSp>
         <p:nvGrpSpPr>
-          <p:cNvPr id="260" name="Google Shape;260;p24"/>
+          <p:cNvPr id="258" name="Google Shape;258;p24"/>
           <p:cNvGrpSpPr/>
           <p:nvPr/>
         </p:nvGrpSpPr>
@@ -10534,7 +10534,7 @@
         </p:grpSpPr>
         <p:sp>
           <p:nvSpPr>
-            <p:cNvPr id="261" name="Google Shape;261;p24"/>
+            <p:cNvPr id="259" name="Google Shape;259;p24"/>
             <p:cNvSpPr txBox="1"/>
             <p:nvPr/>
           </p:nvSpPr>
@@ -10577,7 +10577,7 @@
         </p:sp>
         <p:sp>
           <p:nvSpPr>
-            <p:cNvPr id="262" name="Google Shape;262;p24"/>
+            <p:cNvPr id="260" name="Google Shape;260;p24"/>
             <p:cNvSpPr/>
             <p:nvPr/>
           </p:nvSpPr>
@@ -10625,7 +10625,7 @@
       </p:grpSp>
       <p:sp>
         <p:nvSpPr>
-          <p:cNvPr id="263" name="Google Shape;263;p24"/>
+          <p:cNvPr id="261" name="Google Shape;261;p24"/>
           <p:cNvSpPr txBox="1"/>
           <p:nvPr>
             <p:ph idx="4294967295" type="body"/>
@@ -10814,7 +10814,7 @@
       </p:sp>
       <p:sp>
         <p:nvSpPr>
-          <p:cNvPr id="264" name="Google Shape;264;p24"/>
+          <p:cNvPr id="262" name="Google Shape;262;p24"/>
           <p:cNvSpPr txBox="1"/>
           <p:nvPr/>
         </p:nvSpPr>
@@ -10858,7 +10858,7 @@
       </p:sp>
       <p:sp>
         <p:nvSpPr>
-          <p:cNvPr id="265" name="Google Shape;265;p24"/>
+          <p:cNvPr id="263" name="Google Shape;263;p24"/>
           <p:cNvSpPr txBox="1"/>
           <p:nvPr>
             <p:ph idx="4294967295" type="body"/>
@@ -10919,7 +10919,7 @@
       </p:sp>
       <p:sp>
         <p:nvSpPr>
-          <p:cNvPr id="266" name="Google Shape;266;p24"/>
+          <p:cNvPr id="264" name="Google Shape;264;p24"/>
           <p:cNvSpPr txBox="1"/>
           <p:nvPr>
             <p:ph idx="4294967295" type="body"/>
@@ -10980,7 +10980,7 @@
       </p:sp>
       <p:grpSp>
         <p:nvGrpSpPr>
-          <p:cNvPr id="267" name="Google Shape;267;p24"/>
+          <p:cNvPr id="265" name="Google Shape;265;p24"/>
           <p:cNvGrpSpPr/>
           <p:nvPr/>
         </p:nvGrpSpPr>
@@ -10994,7 +10994,7 @@
         </p:grpSpPr>
         <p:sp>
           <p:nvSpPr>
-            <p:cNvPr id="268" name="Google Shape;268;p24"/>
+            <p:cNvPr id="266" name="Google Shape;266;p24"/>
             <p:cNvSpPr txBox="1"/>
             <p:nvPr/>
           </p:nvSpPr>
@@ -11037,7 +11037,7 @@
         </p:sp>
         <p:sp>
           <p:nvSpPr>
-            <p:cNvPr id="269" name="Google Shape;269;p24"/>
+            <p:cNvPr id="267" name="Google Shape;267;p24"/>
             <p:cNvSpPr/>
             <p:nvPr/>
           </p:nvSpPr>
@@ -11085,7 +11085,7 @@
       </p:grpSp>
       <p:sp>
         <p:nvSpPr>
-          <p:cNvPr id="270" name="Google Shape;270;p24"/>
+          <p:cNvPr id="268" name="Google Shape;268;p24"/>
           <p:cNvSpPr txBox="1"/>
           <p:nvPr/>
         </p:nvSpPr>
@@ -11291,7 +11291,7 @@
       </p:sp>
       <p:sp>
         <p:nvSpPr>
-          <p:cNvPr id="271" name="Google Shape;271;p24"/>
+          <p:cNvPr id="269" name="Google Shape;269;p24"/>
           <p:cNvSpPr txBox="1"/>
           <p:nvPr/>
         </p:nvSpPr>
@@ -11339,7 +11339,7 @@
       </p:sp>
       <p:grpSp>
         <p:nvGrpSpPr>
-          <p:cNvPr id="272" name="Google Shape;272;p24"/>
+          <p:cNvPr id="270" name="Google Shape;270;p24"/>
           <p:cNvGrpSpPr/>
           <p:nvPr/>
         </p:nvGrpSpPr>
@@ -11353,7 +11353,7 @@
         </p:grpSpPr>
         <p:sp>
           <p:nvSpPr>
-            <p:cNvPr id="273" name="Google Shape;273;p24"/>
+            <p:cNvPr id="271" name="Google Shape;271;p24"/>
             <p:cNvSpPr txBox="1"/>
             <p:nvPr/>
           </p:nvSpPr>
@@ -11396,7 +11396,7 @@
         </p:sp>
         <p:sp>
           <p:nvSpPr>
-            <p:cNvPr id="274" name="Google Shape;274;p24"/>
+            <p:cNvPr id="272" name="Google Shape;272;p24"/>
             <p:cNvSpPr/>
             <p:nvPr/>
           </p:nvSpPr>
@@ -11444,7 +11444,7 @@
       </p:grpSp>
       <p:sp>
         <p:nvSpPr>
-          <p:cNvPr id="275" name="Google Shape;275;p24"/>
+          <p:cNvPr id="273" name="Google Shape;273;p24"/>
           <p:cNvSpPr txBox="1"/>
           <p:nvPr/>
         </p:nvSpPr>
@@ -11614,7 +11614,7 @@
   <p:cSld>
     <p:spTree>
       <p:nvGrpSpPr>
-        <p:cNvPr id="279" name="Shape 279"/>
+        <p:cNvPr id="277" name="Shape 277"/>
         <p:cNvGrpSpPr/>
         <p:nvPr/>
       </p:nvGrpSpPr>
@@ -11628,7 +11628,7 @@
       </p:grpSpPr>
       <p:sp>
         <p:nvSpPr>
-          <p:cNvPr id="280" name="Google Shape;280;p25"/>
+          <p:cNvPr id="278" name="Google Shape;278;p25"/>
           <p:cNvSpPr txBox="1"/>
           <p:nvPr>
             <p:ph type="title"/>
@@ -17919,70 +17919,9 @@
           </a:p>
         </p:txBody>
       </p:sp>
-      <p:sp>
-        <p:nvSpPr>
-          <p:cNvPr id="215" name="Google Shape;215;p21"/>
-          <p:cNvSpPr txBox="1"/>
-          <p:nvPr>
-            <p:ph idx="4294967295" type="body"/>
-          </p:nvPr>
-        </p:nvSpPr>
-        <p:spPr>
-          <a:xfrm>
-            <a:off x="6045575" y="1473775"/>
-            <a:ext cx="2494500" cy="461400"/>
-          </a:xfrm>
-          <a:prstGeom prst="rect">
-            <a:avLst/>
-          </a:prstGeom>
-          <a:ln cap="flat" cmpd="sng" w="9525">
-            <a:solidFill>
-              <a:schemeClr val="lt1"/>
-            </a:solidFill>
-            <a:prstDash val="solid"/>
-            <a:round/>
-            <a:headEnd len="sm" w="sm" type="none"/>
-            <a:tailEnd len="sm" w="sm" type="none"/>
-          </a:ln>
-        </p:spPr>
-        <p:txBody>
-          <a:bodyPr anchorCtr="0" anchor="t" bIns="91425" lIns="91425" spcFirstLastPara="1" rIns="91425" wrap="square" tIns="91425">
-            <a:noAutofit/>
-          </a:bodyPr>
-          <a:lstStyle/>
-          <a:p>
-            <a:pPr indent="0" lvl="0" marL="0" rtl="0" algn="l">
-              <a:spcBef>
-                <a:spcPts val="1400"/>
-              </a:spcBef>
-              <a:spcAft>
-                <a:spcPts val="400"/>
-              </a:spcAft>
-              <a:buNone/>
-            </a:pPr>
-            <a:r>
-              <a:rPr b="1" lang="en" sz="1300">
-                <a:solidFill>
-                  <a:schemeClr val="lt1"/>
-                </a:solidFill>
-                <a:latin typeface="Arial"/>
-                <a:ea typeface="Arial"/>
-                <a:cs typeface="Arial"/>
-                <a:sym typeface="Arial"/>
-              </a:rPr>
-              <a:t>Why Link Analysis?</a:t>
-            </a:r>
-            <a:endParaRPr>
-              <a:solidFill>
-                <a:schemeClr val="lt1"/>
-              </a:solidFill>
-            </a:endParaRPr>
-          </a:p>
-        </p:txBody>
-      </p:sp>
       <p:grpSp>
         <p:nvGrpSpPr>
-          <p:cNvPr id="216" name="Google Shape;216;p21"/>
+          <p:cNvPr id="215" name="Google Shape;215;p21"/>
           <p:cNvGrpSpPr/>
           <p:nvPr/>
         </p:nvGrpSpPr>
@@ -17996,7 +17935,7 @@
         </p:grpSpPr>
         <p:sp>
           <p:nvSpPr>
-            <p:cNvPr id="217" name="Google Shape;217;p21"/>
+            <p:cNvPr id="216" name="Google Shape;216;p21"/>
             <p:cNvSpPr txBox="1"/>
             <p:nvPr/>
           </p:nvSpPr>
@@ -18039,7 +17978,7 @@
         </p:sp>
         <p:sp>
           <p:nvSpPr>
-            <p:cNvPr id="218" name="Google Shape;218;p21"/>
+            <p:cNvPr id="217" name="Google Shape;217;p21"/>
             <p:cNvSpPr/>
             <p:nvPr/>
           </p:nvSpPr>
@@ -18232,7 +18171,7 @@
       </p:grpSp>
       <p:pic>
         <p:nvPicPr>
-          <p:cNvPr id="219" name="Google Shape;219;p21"/>
+          <p:cNvPr id="218" name="Google Shape;218;p21"/>
           <p:cNvPicPr preferRelativeResize="0"/>
           <p:nvPr/>
         </p:nvPicPr>
@@ -18246,36 +18185,8 @@
         </p:blipFill>
         <p:spPr>
           <a:xfrm>
-            <a:off x="6310000" y="1263575"/>
-            <a:ext cx="2478600" cy="1598500"/>
-          </a:xfrm>
-          <a:prstGeom prst="rect">
-            <a:avLst/>
-          </a:prstGeom>
-          <a:noFill/>
-          <a:ln>
-            <a:noFill/>
-          </a:ln>
-        </p:spPr>
-      </p:pic>
-      <p:pic>
-        <p:nvPicPr>
-          <p:cNvPr id="220" name="Google Shape;220;p21"/>
-          <p:cNvPicPr preferRelativeResize="0"/>
-          <p:nvPr/>
-        </p:nvPicPr>
-        <p:blipFill>
-          <a:blip r:embed="rId4">
-            <a:alphaModFix/>
-          </a:blip>
-          <a:stretch>
-            <a:fillRect/>
-          </a:stretch>
-        </p:blipFill>
-        <p:spPr>
-          <a:xfrm>
-            <a:off x="6378200" y="3027200"/>
-            <a:ext cx="2638176" cy="1652774"/>
+            <a:off x="6234250" y="1304875"/>
+            <a:ext cx="2839326" cy="2654374"/>
           </a:xfrm>
           <a:prstGeom prst="rect">
             <a:avLst/>
